--- a/results/CNGVPlots_10.13.2020/ConfusionPlot_panel.pptx
+++ b/results/CNGVPlots_10.13.2020/ConfusionPlot_panel.pptx
@@ -2,18 +2,18 @@
 <file path=ppt/presentation.xml><?xml version="1.0" encoding="utf-8"?>
 <p:presentation xmlns:a="http://schemas.openxmlformats.org/drawingml/2006/main" xmlns:r="http://schemas.openxmlformats.org/officeDocument/2006/relationships" xmlns:p="http://schemas.openxmlformats.org/presentationml/2006/main" saveSubsetFonts="1" autoCompressPictures="0">
   <p:sldMasterIdLst>
-    <p:sldMasterId id="2147483648" r:id="rId1"/>
+    <p:sldMasterId id="2147483660" r:id="rId1"/>
   </p:sldMasterIdLst>
   <p:sldIdLst>
     <p:sldId id="256" r:id="rId2"/>
   </p:sldIdLst>
-  <p:sldSz cx="12192000" cy="6858000"/>
+  <p:sldSz cx="6858000" cy="12192000"/>
   <p:notesSz cx="6858000" cy="9144000"/>
   <p:defaultTextStyle>
     <a:defPPr>
       <a:defRPr lang="en-US"/>
     </a:defPPr>
-    <a:lvl1pPr marL="0" algn="l" defTabSz="914400" rtl="0" eaLnBrk="1" latinLnBrk="0" hangingPunct="1">
+    <a:lvl1pPr marL="0" algn="l" defTabSz="457200" rtl="0" eaLnBrk="1" latinLnBrk="0" hangingPunct="1">
       <a:defRPr sz="1800" kern="1200">
         <a:solidFill>
           <a:schemeClr val="tx1"/>
@@ -23,7 +23,7 @@
         <a:cs typeface="+mn-cs"/>
       </a:defRPr>
     </a:lvl1pPr>
-    <a:lvl2pPr marL="457200" algn="l" defTabSz="914400" rtl="0" eaLnBrk="1" latinLnBrk="0" hangingPunct="1">
+    <a:lvl2pPr marL="457200" algn="l" defTabSz="457200" rtl="0" eaLnBrk="1" latinLnBrk="0" hangingPunct="1">
       <a:defRPr sz="1800" kern="1200">
         <a:solidFill>
           <a:schemeClr val="tx1"/>
@@ -33,7 +33,7 @@
         <a:cs typeface="+mn-cs"/>
       </a:defRPr>
     </a:lvl2pPr>
-    <a:lvl3pPr marL="914400" algn="l" defTabSz="914400" rtl="0" eaLnBrk="1" latinLnBrk="0" hangingPunct="1">
+    <a:lvl3pPr marL="914400" algn="l" defTabSz="457200" rtl="0" eaLnBrk="1" latinLnBrk="0" hangingPunct="1">
       <a:defRPr sz="1800" kern="1200">
         <a:solidFill>
           <a:schemeClr val="tx1"/>
@@ -43,7 +43,7 @@
         <a:cs typeface="+mn-cs"/>
       </a:defRPr>
     </a:lvl3pPr>
-    <a:lvl4pPr marL="1371600" algn="l" defTabSz="914400" rtl="0" eaLnBrk="1" latinLnBrk="0" hangingPunct="1">
+    <a:lvl4pPr marL="1371600" algn="l" defTabSz="457200" rtl="0" eaLnBrk="1" latinLnBrk="0" hangingPunct="1">
       <a:defRPr sz="1800" kern="1200">
         <a:solidFill>
           <a:schemeClr val="tx1"/>
@@ -53,7 +53,7 @@
         <a:cs typeface="+mn-cs"/>
       </a:defRPr>
     </a:lvl4pPr>
-    <a:lvl5pPr marL="1828800" algn="l" defTabSz="914400" rtl="0" eaLnBrk="1" latinLnBrk="0" hangingPunct="1">
+    <a:lvl5pPr marL="1828800" algn="l" defTabSz="457200" rtl="0" eaLnBrk="1" latinLnBrk="0" hangingPunct="1">
       <a:defRPr sz="1800" kern="1200">
         <a:solidFill>
           <a:schemeClr val="tx1"/>
@@ -63,7 +63,7 @@
         <a:cs typeface="+mn-cs"/>
       </a:defRPr>
     </a:lvl5pPr>
-    <a:lvl6pPr marL="2286000" algn="l" defTabSz="914400" rtl="0" eaLnBrk="1" latinLnBrk="0" hangingPunct="1">
+    <a:lvl6pPr marL="2286000" algn="l" defTabSz="457200" rtl="0" eaLnBrk="1" latinLnBrk="0" hangingPunct="1">
       <a:defRPr sz="1800" kern="1200">
         <a:solidFill>
           <a:schemeClr val="tx1"/>
@@ -73,7 +73,7 @@
         <a:cs typeface="+mn-cs"/>
       </a:defRPr>
     </a:lvl6pPr>
-    <a:lvl7pPr marL="2743200" algn="l" defTabSz="914400" rtl="0" eaLnBrk="1" latinLnBrk="0" hangingPunct="1">
+    <a:lvl7pPr marL="2743200" algn="l" defTabSz="457200" rtl="0" eaLnBrk="1" latinLnBrk="0" hangingPunct="1">
       <a:defRPr sz="1800" kern="1200">
         <a:solidFill>
           <a:schemeClr val="tx1"/>
@@ -83,7 +83,7 @@
         <a:cs typeface="+mn-cs"/>
       </a:defRPr>
     </a:lvl7pPr>
-    <a:lvl8pPr marL="3200400" algn="l" defTabSz="914400" rtl="0" eaLnBrk="1" latinLnBrk="0" hangingPunct="1">
+    <a:lvl8pPr marL="3200400" algn="l" defTabSz="457200" rtl="0" eaLnBrk="1" latinLnBrk="0" hangingPunct="1">
       <a:defRPr sz="1800" kern="1200">
         <a:solidFill>
           <a:schemeClr val="tx1"/>
@@ -93,7 +93,7 @@
         <a:cs typeface="+mn-cs"/>
       </a:defRPr>
     </a:lvl8pPr>
-    <a:lvl9pPr marL="3657600" algn="l" defTabSz="914400" rtl="0" eaLnBrk="1" latinLnBrk="0" hangingPunct="1">
+    <a:lvl9pPr marL="3657600" algn="l" defTabSz="457200" rtl="0" eaLnBrk="1" latinLnBrk="0" hangingPunct="1">
       <a:defRPr sz="1800" kern="1200">
         <a:solidFill>
           <a:schemeClr val="tx1"/>
@@ -104,6 +104,11 @@
       </a:defRPr>
     </a:lvl9pPr>
   </p:defaultTextStyle>
+  <p:extLst>
+    <p:ext uri="{EFAFB233-063F-42B5-8137-9DF3F51BA10A}">
+      <p15:sldGuideLst xmlns:p15="http://schemas.microsoft.com/office/powerpoint/2012/main"/>
+    </p:ext>
+  </p:extLst>
 </p:presentation>
 </file>
 
@@ -126,13 +131,7 @@
       </p:grpSpPr>
       <p:sp>
         <p:nvSpPr>
-          <p:cNvPr id="2" name="Title 1">
-            <a:extLst>
-              <a:ext uri="{FF2B5EF4-FFF2-40B4-BE49-F238E27FC236}">
-                <a16:creationId xmlns:a16="http://schemas.microsoft.com/office/drawing/2014/main" id="{BA50C72F-FAF2-414F-9887-5E8FE431BB07}"/>
-              </a:ext>
-            </a:extLst>
-          </p:cNvPr>
+          <p:cNvPr id="2" name="Title 1"/>
           <p:cNvSpPr>
             <a:spLocks noGrp="1"/>
           </p:cNvSpPr>
@@ -142,15 +141,15 @@
         </p:nvSpPr>
         <p:spPr>
           <a:xfrm>
-            <a:off x="1524000" y="1122363"/>
-            <a:ext cx="9144000" cy="2387600"/>
+            <a:off x="514350" y="1995312"/>
+            <a:ext cx="5829300" cy="4244622"/>
           </a:xfrm>
         </p:spPr>
         <p:txBody>
           <a:bodyPr anchor="b"/>
           <a:lstStyle>
             <a:lvl1pPr algn="ctr">
-              <a:defRPr sz="6000"/>
+              <a:defRPr sz="4500"/>
             </a:lvl1pPr>
           </a:lstStyle>
           <a:p>
@@ -158,18 +157,13 @@
               <a:rPr lang="en-US"/>
               <a:t>Click to edit Master title style</a:t>
             </a:r>
-          </a:p>
-        </p:txBody>
-      </p:sp>
-      <p:sp>
-        <p:nvSpPr>
-          <p:cNvPr id="3" name="Subtitle 2">
-            <a:extLst>
-              <a:ext uri="{FF2B5EF4-FFF2-40B4-BE49-F238E27FC236}">
-                <a16:creationId xmlns:a16="http://schemas.microsoft.com/office/drawing/2014/main" id="{938705E9-2394-8D48-99A8-5718CBFF8F0E}"/>
-              </a:ext>
-            </a:extLst>
-          </p:cNvPr>
+            <a:endParaRPr lang="en-US" dirty="0"/>
+          </a:p>
+        </p:txBody>
+      </p:sp>
+      <p:sp>
+        <p:nvSpPr>
+          <p:cNvPr id="3" name="Subtitle 2"/>
           <p:cNvSpPr>
             <a:spLocks noGrp="1"/>
           </p:cNvSpPr>
@@ -179,8 +173,8 @@
         </p:nvSpPr>
         <p:spPr>
           <a:xfrm>
-            <a:off x="1524000" y="3602038"/>
-            <a:ext cx="9144000" cy="1655762"/>
+            <a:off x="857250" y="6403623"/>
+            <a:ext cx="5143500" cy="2943577"/>
           </a:xfrm>
         </p:spPr>
         <p:txBody>
@@ -188,39 +182,39 @@
           <a:lstStyle>
             <a:lvl1pPr marL="0" indent="0" algn="ctr">
               <a:buNone/>
-              <a:defRPr sz="2400"/>
+              <a:defRPr sz="1800"/>
             </a:lvl1pPr>
-            <a:lvl2pPr marL="457200" indent="0" algn="ctr">
-              <a:buNone/>
-              <a:defRPr sz="2000"/>
+            <a:lvl2pPr marL="342900" indent="0" algn="ctr">
+              <a:buNone/>
+              <a:defRPr sz="1500"/>
             </a:lvl2pPr>
-            <a:lvl3pPr marL="914400" indent="0" algn="ctr">
-              <a:buNone/>
-              <a:defRPr sz="1800"/>
+            <a:lvl3pPr marL="685800" indent="0" algn="ctr">
+              <a:buNone/>
+              <a:defRPr sz="1350"/>
             </a:lvl3pPr>
-            <a:lvl4pPr marL="1371600" indent="0" algn="ctr">
-              <a:buNone/>
-              <a:defRPr sz="1600"/>
+            <a:lvl4pPr marL="1028700" indent="0" algn="ctr">
+              <a:buNone/>
+              <a:defRPr sz="1200"/>
             </a:lvl4pPr>
-            <a:lvl5pPr marL="1828800" indent="0" algn="ctr">
-              <a:buNone/>
-              <a:defRPr sz="1600"/>
+            <a:lvl5pPr marL="1371600" indent="0" algn="ctr">
+              <a:buNone/>
+              <a:defRPr sz="1200"/>
             </a:lvl5pPr>
-            <a:lvl6pPr marL="2286000" indent="0" algn="ctr">
-              <a:buNone/>
-              <a:defRPr sz="1600"/>
+            <a:lvl6pPr marL="1714500" indent="0" algn="ctr">
+              <a:buNone/>
+              <a:defRPr sz="1200"/>
             </a:lvl6pPr>
-            <a:lvl7pPr marL="2743200" indent="0" algn="ctr">
-              <a:buNone/>
-              <a:defRPr sz="1600"/>
+            <a:lvl7pPr marL="2057400" indent="0" algn="ctr">
+              <a:buNone/>
+              <a:defRPr sz="1200"/>
             </a:lvl7pPr>
-            <a:lvl8pPr marL="3200400" indent="0" algn="ctr">
-              <a:buNone/>
-              <a:defRPr sz="1600"/>
+            <a:lvl8pPr marL="2400300" indent="0" algn="ctr">
+              <a:buNone/>
+              <a:defRPr sz="1200"/>
             </a:lvl8pPr>
-            <a:lvl9pPr marL="3657600" indent="0" algn="ctr">
-              <a:buNone/>
-              <a:defRPr sz="1600"/>
+            <a:lvl9pPr marL="2743200" indent="0" algn="ctr">
+              <a:buNone/>
+              <a:defRPr sz="1200"/>
             </a:lvl9pPr>
           </a:lstStyle>
           <a:p>
@@ -228,18 +222,13 @@
               <a:rPr lang="en-US"/>
               <a:t>Click to edit Master subtitle style</a:t>
             </a:r>
-          </a:p>
-        </p:txBody>
-      </p:sp>
-      <p:sp>
-        <p:nvSpPr>
-          <p:cNvPr id="4" name="Date Placeholder 3">
-            <a:extLst>
-              <a:ext uri="{FF2B5EF4-FFF2-40B4-BE49-F238E27FC236}">
-                <a16:creationId xmlns:a16="http://schemas.microsoft.com/office/drawing/2014/main" id="{01464A28-DA38-124E-B7D3-6C181EC5201C}"/>
-              </a:ext>
-            </a:extLst>
-          </p:cNvPr>
+            <a:endParaRPr lang="en-US" dirty="0"/>
+          </a:p>
+        </p:txBody>
+      </p:sp>
+      <p:sp>
+        <p:nvSpPr>
+          <p:cNvPr id="4" name="Date Placeholder 3"/>
           <p:cNvSpPr>
             <a:spLocks noGrp="1"/>
           </p:cNvSpPr>
@@ -254,7 +243,7 @@
           <a:p>
             <a:fld id="{337251E0-F0A3-B24B-B44F-1BC0F21ABC7F}" type="datetimeFigureOut">
               <a:rPr lang="en-US" smtClean="0"/>
-              <a:t>10/14/20</a:t>
+              <a:t>11/2/20</a:t>
             </a:fld>
             <a:endParaRPr lang="en-US"/>
           </a:p>
@@ -262,13 +251,7 @@
       </p:sp>
       <p:sp>
         <p:nvSpPr>
-          <p:cNvPr id="5" name="Footer Placeholder 4">
-            <a:extLst>
-              <a:ext uri="{FF2B5EF4-FFF2-40B4-BE49-F238E27FC236}">
-                <a16:creationId xmlns:a16="http://schemas.microsoft.com/office/drawing/2014/main" id="{356AC5E8-0541-2148-A85D-70449C7275BF}"/>
-              </a:ext>
-            </a:extLst>
-          </p:cNvPr>
+          <p:cNvPr id="5" name="Footer Placeholder 4"/>
           <p:cNvSpPr>
             <a:spLocks noGrp="1"/>
           </p:cNvSpPr>
@@ -287,13 +270,7 @@
       </p:sp>
       <p:sp>
         <p:nvSpPr>
-          <p:cNvPr id="6" name="Slide Number Placeholder 5">
-            <a:extLst>
-              <a:ext uri="{FF2B5EF4-FFF2-40B4-BE49-F238E27FC236}">
-                <a16:creationId xmlns:a16="http://schemas.microsoft.com/office/drawing/2014/main" id="{DD5CE4B6-ADA9-DE4A-ABDB-534ADB7B5EC0}"/>
-              </a:ext>
-            </a:extLst>
-          </p:cNvPr>
+          <p:cNvPr id="6" name="Slide Number Placeholder 5"/>
           <p:cNvSpPr>
             <a:spLocks noGrp="1"/>
           </p:cNvSpPr>
@@ -317,7 +294,7 @@
     </p:spTree>
     <p:extLst>
       <p:ext uri="{BB962C8B-B14F-4D97-AF65-F5344CB8AC3E}">
-        <p14:creationId xmlns:p14="http://schemas.microsoft.com/office/powerpoint/2010/main" val="722591451"/>
+        <p14:creationId xmlns:p14="http://schemas.microsoft.com/office/powerpoint/2010/main" val="716491008"/>
       </p:ext>
     </p:extLst>
   </p:cSld>
@@ -346,13 +323,7 @@
       </p:grpSpPr>
       <p:sp>
         <p:nvSpPr>
-          <p:cNvPr id="2" name="Title 1">
-            <a:extLst>
-              <a:ext uri="{FF2B5EF4-FFF2-40B4-BE49-F238E27FC236}">
-                <a16:creationId xmlns:a16="http://schemas.microsoft.com/office/drawing/2014/main" id="{3F95A08B-4CBA-5747-A41D-2506CA9A4EAF}"/>
-              </a:ext>
-            </a:extLst>
-          </p:cNvPr>
+          <p:cNvPr id="2" name="Title 1"/>
           <p:cNvSpPr>
             <a:spLocks noGrp="1"/>
           </p:cNvSpPr>
@@ -369,18 +340,13 @@
               <a:rPr lang="en-US"/>
               <a:t>Click to edit Master title style</a:t>
             </a:r>
-          </a:p>
-        </p:txBody>
-      </p:sp>
-      <p:sp>
-        <p:nvSpPr>
-          <p:cNvPr id="3" name="Vertical Text Placeholder 2">
-            <a:extLst>
-              <a:ext uri="{FF2B5EF4-FFF2-40B4-BE49-F238E27FC236}">
-                <a16:creationId xmlns:a16="http://schemas.microsoft.com/office/drawing/2014/main" id="{B5C3B518-6EE0-164C-85C5-A6BCED8ECE4D}"/>
-              </a:ext>
-            </a:extLst>
-          </p:cNvPr>
+            <a:endParaRPr lang="en-US" dirty="0"/>
+          </a:p>
+        </p:txBody>
+      </p:sp>
+      <p:sp>
+        <p:nvSpPr>
+          <p:cNvPr id="3" name="Vertical Text Placeholder 2"/>
           <p:cNvSpPr>
             <a:spLocks noGrp="1"/>
           </p:cNvSpPr>
@@ -426,18 +392,13 @@
               <a:rPr lang="en-US"/>
               <a:t>Fifth level</a:t>
             </a:r>
-          </a:p>
-        </p:txBody>
-      </p:sp>
-      <p:sp>
-        <p:nvSpPr>
-          <p:cNvPr id="4" name="Date Placeholder 3">
-            <a:extLst>
-              <a:ext uri="{FF2B5EF4-FFF2-40B4-BE49-F238E27FC236}">
-                <a16:creationId xmlns:a16="http://schemas.microsoft.com/office/drawing/2014/main" id="{FD660BE4-0901-FC46-A9D8-B8055E8524FA}"/>
-              </a:ext>
-            </a:extLst>
-          </p:cNvPr>
+            <a:endParaRPr lang="en-US" dirty="0"/>
+          </a:p>
+        </p:txBody>
+      </p:sp>
+      <p:sp>
+        <p:nvSpPr>
+          <p:cNvPr id="4" name="Date Placeholder 3"/>
           <p:cNvSpPr>
             <a:spLocks noGrp="1"/>
           </p:cNvSpPr>
@@ -452,7 +413,7 @@
           <a:p>
             <a:fld id="{337251E0-F0A3-B24B-B44F-1BC0F21ABC7F}" type="datetimeFigureOut">
               <a:rPr lang="en-US" smtClean="0"/>
-              <a:t>10/14/20</a:t>
+              <a:t>11/2/20</a:t>
             </a:fld>
             <a:endParaRPr lang="en-US"/>
           </a:p>
@@ -460,13 +421,7 @@
       </p:sp>
       <p:sp>
         <p:nvSpPr>
-          <p:cNvPr id="5" name="Footer Placeholder 4">
-            <a:extLst>
-              <a:ext uri="{FF2B5EF4-FFF2-40B4-BE49-F238E27FC236}">
-                <a16:creationId xmlns:a16="http://schemas.microsoft.com/office/drawing/2014/main" id="{7417B745-6BB1-DE40-85C8-F7259375DA95}"/>
-              </a:ext>
-            </a:extLst>
-          </p:cNvPr>
+          <p:cNvPr id="5" name="Footer Placeholder 4"/>
           <p:cNvSpPr>
             <a:spLocks noGrp="1"/>
           </p:cNvSpPr>
@@ -485,13 +440,7 @@
       </p:sp>
       <p:sp>
         <p:nvSpPr>
-          <p:cNvPr id="6" name="Slide Number Placeholder 5">
-            <a:extLst>
-              <a:ext uri="{FF2B5EF4-FFF2-40B4-BE49-F238E27FC236}">
-                <a16:creationId xmlns:a16="http://schemas.microsoft.com/office/drawing/2014/main" id="{1BC2EE8E-9562-6647-97A4-EAF764E44CA8}"/>
-              </a:ext>
-            </a:extLst>
-          </p:cNvPr>
+          <p:cNvPr id="6" name="Slide Number Placeholder 5"/>
           <p:cNvSpPr>
             <a:spLocks noGrp="1"/>
           </p:cNvSpPr>
@@ -515,7 +464,7 @@
     </p:spTree>
     <p:extLst>
       <p:ext uri="{BB962C8B-B14F-4D97-AF65-F5344CB8AC3E}">
-        <p14:creationId xmlns:p14="http://schemas.microsoft.com/office/powerpoint/2010/main" val="1093837801"/>
+        <p14:creationId xmlns:p14="http://schemas.microsoft.com/office/powerpoint/2010/main" val="3123692827"/>
       </p:ext>
     </p:extLst>
   </p:cSld>
@@ -544,13 +493,7 @@
       </p:grpSpPr>
       <p:sp>
         <p:nvSpPr>
-          <p:cNvPr id="2" name="Vertical Title 1">
-            <a:extLst>
-              <a:ext uri="{FF2B5EF4-FFF2-40B4-BE49-F238E27FC236}">
-                <a16:creationId xmlns:a16="http://schemas.microsoft.com/office/drawing/2014/main" id="{67D08947-B076-074E-863D-8CDB5D46A64F}"/>
-              </a:ext>
-            </a:extLst>
-          </p:cNvPr>
+          <p:cNvPr id="2" name="Vertical Title 1"/>
           <p:cNvSpPr>
             <a:spLocks noGrp="1"/>
           </p:cNvSpPr>
@@ -560,8 +503,8 @@
         </p:nvSpPr>
         <p:spPr>
           <a:xfrm>
-            <a:off x="8724900" y="365125"/>
-            <a:ext cx="2628900" cy="5811838"/>
+            <a:off x="4907757" y="649111"/>
+            <a:ext cx="1478756" cy="10332156"/>
           </a:xfrm>
         </p:spPr>
         <p:txBody>
@@ -572,18 +515,13 @@
               <a:rPr lang="en-US"/>
               <a:t>Click to edit Master title style</a:t>
             </a:r>
-          </a:p>
-        </p:txBody>
-      </p:sp>
-      <p:sp>
-        <p:nvSpPr>
-          <p:cNvPr id="3" name="Vertical Text Placeholder 2">
-            <a:extLst>
-              <a:ext uri="{FF2B5EF4-FFF2-40B4-BE49-F238E27FC236}">
-                <a16:creationId xmlns:a16="http://schemas.microsoft.com/office/drawing/2014/main" id="{1C53CADB-F9D8-5148-9FC6-F68F4BF7E289}"/>
-              </a:ext>
-            </a:extLst>
-          </p:cNvPr>
+            <a:endParaRPr lang="en-US" dirty="0"/>
+          </a:p>
+        </p:txBody>
+      </p:sp>
+      <p:sp>
+        <p:nvSpPr>
+          <p:cNvPr id="3" name="Vertical Text Placeholder 2"/>
           <p:cNvSpPr>
             <a:spLocks noGrp="1"/>
           </p:cNvSpPr>
@@ -593,8 +531,8 @@
         </p:nvSpPr>
         <p:spPr>
           <a:xfrm>
-            <a:off x="838200" y="365125"/>
-            <a:ext cx="7734300" cy="5811838"/>
+            <a:off x="471488" y="649111"/>
+            <a:ext cx="4350544" cy="10332156"/>
           </a:xfrm>
         </p:spPr>
         <p:txBody>
@@ -634,18 +572,13 @@
               <a:rPr lang="en-US"/>
               <a:t>Fifth level</a:t>
             </a:r>
-          </a:p>
-        </p:txBody>
-      </p:sp>
-      <p:sp>
-        <p:nvSpPr>
-          <p:cNvPr id="4" name="Date Placeholder 3">
-            <a:extLst>
-              <a:ext uri="{FF2B5EF4-FFF2-40B4-BE49-F238E27FC236}">
-                <a16:creationId xmlns:a16="http://schemas.microsoft.com/office/drawing/2014/main" id="{4CE6487F-4642-6049-B3E6-A7579B1471FF}"/>
-              </a:ext>
-            </a:extLst>
-          </p:cNvPr>
+            <a:endParaRPr lang="en-US" dirty="0"/>
+          </a:p>
+        </p:txBody>
+      </p:sp>
+      <p:sp>
+        <p:nvSpPr>
+          <p:cNvPr id="4" name="Date Placeholder 3"/>
           <p:cNvSpPr>
             <a:spLocks noGrp="1"/>
           </p:cNvSpPr>
@@ -660,7 +593,7 @@
           <a:p>
             <a:fld id="{337251E0-F0A3-B24B-B44F-1BC0F21ABC7F}" type="datetimeFigureOut">
               <a:rPr lang="en-US" smtClean="0"/>
-              <a:t>10/14/20</a:t>
+              <a:t>11/2/20</a:t>
             </a:fld>
             <a:endParaRPr lang="en-US"/>
           </a:p>
@@ -668,13 +601,7 @@
       </p:sp>
       <p:sp>
         <p:nvSpPr>
-          <p:cNvPr id="5" name="Footer Placeholder 4">
-            <a:extLst>
-              <a:ext uri="{FF2B5EF4-FFF2-40B4-BE49-F238E27FC236}">
-                <a16:creationId xmlns:a16="http://schemas.microsoft.com/office/drawing/2014/main" id="{35075B0D-1A4D-A540-9F71-7C8A3FBB4A29}"/>
-              </a:ext>
-            </a:extLst>
-          </p:cNvPr>
+          <p:cNvPr id="5" name="Footer Placeholder 4"/>
           <p:cNvSpPr>
             <a:spLocks noGrp="1"/>
           </p:cNvSpPr>
@@ -693,13 +620,7 @@
       </p:sp>
       <p:sp>
         <p:nvSpPr>
-          <p:cNvPr id="6" name="Slide Number Placeholder 5">
-            <a:extLst>
-              <a:ext uri="{FF2B5EF4-FFF2-40B4-BE49-F238E27FC236}">
-                <a16:creationId xmlns:a16="http://schemas.microsoft.com/office/drawing/2014/main" id="{288018CC-A6E1-D748-B856-636CC2A72BE5}"/>
-              </a:ext>
-            </a:extLst>
-          </p:cNvPr>
+          <p:cNvPr id="6" name="Slide Number Placeholder 5"/>
           <p:cNvSpPr>
             <a:spLocks noGrp="1"/>
           </p:cNvSpPr>
@@ -723,7 +644,7 @@
     </p:spTree>
     <p:extLst>
       <p:ext uri="{BB962C8B-B14F-4D97-AF65-F5344CB8AC3E}">
-        <p14:creationId xmlns:p14="http://schemas.microsoft.com/office/powerpoint/2010/main" val="3107740954"/>
+        <p14:creationId xmlns:p14="http://schemas.microsoft.com/office/powerpoint/2010/main" val="3986989662"/>
       </p:ext>
     </p:extLst>
   </p:cSld>
@@ -752,13 +673,7 @@
       </p:grpSpPr>
       <p:sp>
         <p:nvSpPr>
-          <p:cNvPr id="2" name="Title 1">
-            <a:extLst>
-              <a:ext uri="{FF2B5EF4-FFF2-40B4-BE49-F238E27FC236}">
-                <a16:creationId xmlns:a16="http://schemas.microsoft.com/office/drawing/2014/main" id="{C10CBD1B-2EC3-BF4B-8702-63F94A4726A5}"/>
-              </a:ext>
-            </a:extLst>
-          </p:cNvPr>
+          <p:cNvPr id="2" name="Title 1"/>
           <p:cNvSpPr>
             <a:spLocks noGrp="1"/>
           </p:cNvSpPr>
@@ -775,18 +690,13 @@
               <a:rPr lang="en-US"/>
               <a:t>Click to edit Master title style</a:t>
             </a:r>
-          </a:p>
-        </p:txBody>
-      </p:sp>
-      <p:sp>
-        <p:nvSpPr>
-          <p:cNvPr id="3" name="Content Placeholder 2">
-            <a:extLst>
-              <a:ext uri="{FF2B5EF4-FFF2-40B4-BE49-F238E27FC236}">
-                <a16:creationId xmlns:a16="http://schemas.microsoft.com/office/drawing/2014/main" id="{B72BDB18-CE15-5641-958C-C5EF980E2B3E}"/>
-              </a:ext>
-            </a:extLst>
-          </p:cNvPr>
+            <a:endParaRPr lang="en-US" dirty="0"/>
+          </a:p>
+        </p:txBody>
+      </p:sp>
+      <p:sp>
+        <p:nvSpPr>
+          <p:cNvPr id="3" name="Content Placeholder 2"/>
           <p:cNvSpPr>
             <a:spLocks noGrp="1"/>
           </p:cNvSpPr>
@@ -832,18 +742,13 @@
               <a:rPr lang="en-US"/>
               <a:t>Fifth level</a:t>
             </a:r>
-          </a:p>
-        </p:txBody>
-      </p:sp>
-      <p:sp>
-        <p:nvSpPr>
-          <p:cNvPr id="4" name="Date Placeholder 3">
-            <a:extLst>
-              <a:ext uri="{FF2B5EF4-FFF2-40B4-BE49-F238E27FC236}">
-                <a16:creationId xmlns:a16="http://schemas.microsoft.com/office/drawing/2014/main" id="{81D3028D-A14E-8C40-8BD6-5BBA3DB311CD}"/>
-              </a:ext>
-            </a:extLst>
-          </p:cNvPr>
+            <a:endParaRPr lang="en-US" dirty="0"/>
+          </a:p>
+        </p:txBody>
+      </p:sp>
+      <p:sp>
+        <p:nvSpPr>
+          <p:cNvPr id="4" name="Date Placeholder 3"/>
           <p:cNvSpPr>
             <a:spLocks noGrp="1"/>
           </p:cNvSpPr>
@@ -858,7 +763,7 @@
           <a:p>
             <a:fld id="{337251E0-F0A3-B24B-B44F-1BC0F21ABC7F}" type="datetimeFigureOut">
               <a:rPr lang="en-US" smtClean="0"/>
-              <a:t>10/14/20</a:t>
+              <a:t>11/2/20</a:t>
             </a:fld>
             <a:endParaRPr lang="en-US"/>
           </a:p>
@@ -866,13 +771,7 @@
       </p:sp>
       <p:sp>
         <p:nvSpPr>
-          <p:cNvPr id="5" name="Footer Placeholder 4">
-            <a:extLst>
-              <a:ext uri="{FF2B5EF4-FFF2-40B4-BE49-F238E27FC236}">
-                <a16:creationId xmlns:a16="http://schemas.microsoft.com/office/drawing/2014/main" id="{5BC14229-777B-3345-B3F6-068DFD26BBAF}"/>
-              </a:ext>
-            </a:extLst>
-          </p:cNvPr>
+          <p:cNvPr id="5" name="Footer Placeholder 4"/>
           <p:cNvSpPr>
             <a:spLocks noGrp="1"/>
           </p:cNvSpPr>
@@ -891,13 +790,7 @@
       </p:sp>
       <p:sp>
         <p:nvSpPr>
-          <p:cNvPr id="6" name="Slide Number Placeholder 5">
-            <a:extLst>
-              <a:ext uri="{FF2B5EF4-FFF2-40B4-BE49-F238E27FC236}">
-                <a16:creationId xmlns:a16="http://schemas.microsoft.com/office/drawing/2014/main" id="{5B7F7760-B28F-B54A-B727-57325CA78971}"/>
-              </a:ext>
-            </a:extLst>
-          </p:cNvPr>
+          <p:cNvPr id="6" name="Slide Number Placeholder 5"/>
           <p:cNvSpPr>
             <a:spLocks noGrp="1"/>
           </p:cNvSpPr>
@@ -921,7 +814,7 @@
     </p:spTree>
     <p:extLst>
       <p:ext uri="{BB962C8B-B14F-4D97-AF65-F5344CB8AC3E}">
-        <p14:creationId xmlns:p14="http://schemas.microsoft.com/office/powerpoint/2010/main" val="457204983"/>
+        <p14:creationId xmlns:p14="http://schemas.microsoft.com/office/powerpoint/2010/main" val="1825822645"/>
       </p:ext>
     </p:extLst>
   </p:cSld>
@@ -950,13 +843,7 @@
       </p:grpSpPr>
       <p:sp>
         <p:nvSpPr>
-          <p:cNvPr id="2" name="Title 1">
-            <a:extLst>
-              <a:ext uri="{FF2B5EF4-FFF2-40B4-BE49-F238E27FC236}">
-                <a16:creationId xmlns:a16="http://schemas.microsoft.com/office/drawing/2014/main" id="{925F3AE7-34D6-CB40-B173-7B28A16C551A}"/>
-              </a:ext>
-            </a:extLst>
-          </p:cNvPr>
+          <p:cNvPr id="2" name="Title 1"/>
           <p:cNvSpPr>
             <a:spLocks noGrp="1"/>
           </p:cNvSpPr>
@@ -966,15 +853,15 @@
         </p:nvSpPr>
         <p:spPr>
           <a:xfrm>
-            <a:off x="831850" y="1709738"/>
-            <a:ext cx="10515600" cy="2852737"/>
+            <a:off x="467916" y="3039537"/>
+            <a:ext cx="5915025" cy="5071532"/>
           </a:xfrm>
         </p:spPr>
         <p:txBody>
           <a:bodyPr anchor="b"/>
           <a:lstStyle>
             <a:lvl1pPr>
-              <a:defRPr sz="6000"/>
+              <a:defRPr sz="4500"/>
             </a:lvl1pPr>
           </a:lstStyle>
           <a:p>
@@ -982,18 +869,13 @@
               <a:rPr lang="en-US"/>
               <a:t>Click to edit Master title style</a:t>
             </a:r>
-          </a:p>
-        </p:txBody>
-      </p:sp>
-      <p:sp>
-        <p:nvSpPr>
-          <p:cNvPr id="3" name="Text Placeholder 2">
-            <a:extLst>
-              <a:ext uri="{FF2B5EF4-FFF2-40B4-BE49-F238E27FC236}">
-                <a16:creationId xmlns:a16="http://schemas.microsoft.com/office/drawing/2014/main" id="{94B680E2-4E83-944B-8CAD-E50CFD66793C}"/>
-              </a:ext>
-            </a:extLst>
-          </p:cNvPr>
+            <a:endParaRPr lang="en-US" dirty="0"/>
+          </a:p>
+        </p:txBody>
+      </p:sp>
+      <p:sp>
+        <p:nvSpPr>
+          <p:cNvPr id="3" name="Text Placeholder 2"/>
           <p:cNvSpPr>
             <a:spLocks noGrp="1"/>
           </p:cNvSpPr>
@@ -1003,8 +885,8 @@
         </p:nvSpPr>
         <p:spPr>
           <a:xfrm>
-            <a:off x="831850" y="4589463"/>
-            <a:ext cx="10515600" cy="1500187"/>
+            <a:off x="467916" y="8159048"/>
+            <a:ext cx="5915025" cy="2666999"/>
           </a:xfrm>
         </p:spPr>
         <p:txBody>
@@ -1012,17 +894,15 @@
           <a:lstStyle>
             <a:lvl1pPr marL="0" indent="0">
               <a:buNone/>
-              <a:defRPr sz="2400">
+              <a:defRPr sz="1800">
                 <a:solidFill>
-                  <a:schemeClr val="tx1">
-                    <a:tint val="75000"/>
-                  </a:schemeClr>
+                  <a:schemeClr val="tx1"/>
                 </a:solidFill>
               </a:defRPr>
             </a:lvl1pPr>
-            <a:lvl2pPr marL="457200" indent="0">
-              <a:buNone/>
-              <a:defRPr sz="2000">
+            <a:lvl2pPr marL="342900" indent="0">
+              <a:buNone/>
+              <a:defRPr sz="1500">
                 <a:solidFill>
                   <a:schemeClr val="tx1">
                     <a:tint val="75000"/>
@@ -1030,9 +910,9 @@
                 </a:solidFill>
               </a:defRPr>
             </a:lvl2pPr>
-            <a:lvl3pPr marL="914400" indent="0">
-              <a:buNone/>
-              <a:defRPr sz="1800">
+            <a:lvl3pPr marL="685800" indent="0">
+              <a:buNone/>
+              <a:defRPr sz="1350">
                 <a:solidFill>
                   <a:schemeClr val="tx1">
                     <a:tint val="75000"/>
@@ -1040,9 +920,9 @@
                 </a:solidFill>
               </a:defRPr>
             </a:lvl3pPr>
-            <a:lvl4pPr marL="1371600" indent="0">
-              <a:buNone/>
-              <a:defRPr sz="1600">
+            <a:lvl4pPr marL="1028700" indent="0">
+              <a:buNone/>
+              <a:defRPr sz="1200">
                 <a:solidFill>
                   <a:schemeClr val="tx1">
                     <a:tint val="75000"/>
@@ -1050,9 +930,9 @@
                 </a:solidFill>
               </a:defRPr>
             </a:lvl4pPr>
-            <a:lvl5pPr marL="1828800" indent="0">
-              <a:buNone/>
-              <a:defRPr sz="1600">
+            <a:lvl5pPr marL="1371600" indent="0">
+              <a:buNone/>
+              <a:defRPr sz="1200">
                 <a:solidFill>
                   <a:schemeClr val="tx1">
                     <a:tint val="75000"/>
@@ -1060,9 +940,9 @@
                 </a:solidFill>
               </a:defRPr>
             </a:lvl5pPr>
-            <a:lvl6pPr marL="2286000" indent="0">
-              <a:buNone/>
-              <a:defRPr sz="1600">
+            <a:lvl6pPr marL="1714500" indent="0">
+              <a:buNone/>
+              <a:defRPr sz="1200">
                 <a:solidFill>
                   <a:schemeClr val="tx1">
                     <a:tint val="75000"/>
@@ -1070,9 +950,9 @@
                 </a:solidFill>
               </a:defRPr>
             </a:lvl6pPr>
-            <a:lvl7pPr marL="2743200" indent="0">
-              <a:buNone/>
-              <a:defRPr sz="1600">
+            <a:lvl7pPr marL="2057400" indent="0">
+              <a:buNone/>
+              <a:defRPr sz="1200">
                 <a:solidFill>
                   <a:schemeClr val="tx1">
                     <a:tint val="75000"/>
@@ -1080,9 +960,9 @@
                 </a:solidFill>
               </a:defRPr>
             </a:lvl7pPr>
-            <a:lvl8pPr marL="3200400" indent="0">
-              <a:buNone/>
-              <a:defRPr sz="1600">
+            <a:lvl8pPr marL="2400300" indent="0">
+              <a:buNone/>
+              <a:defRPr sz="1200">
                 <a:solidFill>
                   <a:schemeClr val="tx1">
                     <a:tint val="75000"/>
@@ -1090,9 +970,9 @@
                 </a:solidFill>
               </a:defRPr>
             </a:lvl8pPr>
-            <a:lvl9pPr marL="3657600" indent="0">
-              <a:buNone/>
-              <a:defRPr sz="1600">
+            <a:lvl9pPr marL="2743200" indent="0">
+              <a:buNone/>
+              <a:defRPr sz="1200">
                 <a:solidFill>
                   <a:schemeClr val="tx1">
                     <a:tint val="75000"/>
@@ -1112,13 +992,7 @@
       </p:sp>
       <p:sp>
         <p:nvSpPr>
-          <p:cNvPr id="4" name="Date Placeholder 3">
-            <a:extLst>
-              <a:ext uri="{FF2B5EF4-FFF2-40B4-BE49-F238E27FC236}">
-                <a16:creationId xmlns:a16="http://schemas.microsoft.com/office/drawing/2014/main" id="{873B5CAC-6261-8049-99F9-B0D8DED3B04E}"/>
-              </a:ext>
-            </a:extLst>
-          </p:cNvPr>
+          <p:cNvPr id="4" name="Date Placeholder 3"/>
           <p:cNvSpPr>
             <a:spLocks noGrp="1"/>
           </p:cNvSpPr>
@@ -1133,7 +1007,7 @@
           <a:p>
             <a:fld id="{337251E0-F0A3-B24B-B44F-1BC0F21ABC7F}" type="datetimeFigureOut">
               <a:rPr lang="en-US" smtClean="0"/>
-              <a:t>10/14/20</a:t>
+              <a:t>11/2/20</a:t>
             </a:fld>
             <a:endParaRPr lang="en-US"/>
           </a:p>
@@ -1141,13 +1015,7 @@
       </p:sp>
       <p:sp>
         <p:nvSpPr>
-          <p:cNvPr id="5" name="Footer Placeholder 4">
-            <a:extLst>
-              <a:ext uri="{FF2B5EF4-FFF2-40B4-BE49-F238E27FC236}">
-                <a16:creationId xmlns:a16="http://schemas.microsoft.com/office/drawing/2014/main" id="{CF4D7646-6FAB-DF40-BFB2-82E93F280D65}"/>
-              </a:ext>
-            </a:extLst>
-          </p:cNvPr>
+          <p:cNvPr id="5" name="Footer Placeholder 4"/>
           <p:cNvSpPr>
             <a:spLocks noGrp="1"/>
           </p:cNvSpPr>
@@ -1166,13 +1034,7 @@
       </p:sp>
       <p:sp>
         <p:nvSpPr>
-          <p:cNvPr id="6" name="Slide Number Placeholder 5">
-            <a:extLst>
-              <a:ext uri="{FF2B5EF4-FFF2-40B4-BE49-F238E27FC236}">
-                <a16:creationId xmlns:a16="http://schemas.microsoft.com/office/drawing/2014/main" id="{48D44B8E-5EA8-6E4B-9899-73B7AD0DE2A5}"/>
-              </a:ext>
-            </a:extLst>
-          </p:cNvPr>
+          <p:cNvPr id="6" name="Slide Number Placeholder 5"/>
           <p:cNvSpPr>
             <a:spLocks noGrp="1"/>
           </p:cNvSpPr>
@@ -1196,7 +1058,7 @@
     </p:spTree>
     <p:extLst>
       <p:ext uri="{BB962C8B-B14F-4D97-AF65-F5344CB8AC3E}">
-        <p14:creationId xmlns:p14="http://schemas.microsoft.com/office/powerpoint/2010/main" val="3258396894"/>
+        <p14:creationId xmlns:p14="http://schemas.microsoft.com/office/powerpoint/2010/main" val="1824981811"/>
       </p:ext>
     </p:extLst>
   </p:cSld>
@@ -1225,13 +1087,7 @@
       </p:grpSpPr>
       <p:sp>
         <p:nvSpPr>
-          <p:cNvPr id="2" name="Title 1">
-            <a:extLst>
-              <a:ext uri="{FF2B5EF4-FFF2-40B4-BE49-F238E27FC236}">
-                <a16:creationId xmlns:a16="http://schemas.microsoft.com/office/drawing/2014/main" id="{F4627DCD-B4EA-ED44-879C-A1EFBB449F02}"/>
-              </a:ext>
-            </a:extLst>
-          </p:cNvPr>
+          <p:cNvPr id="2" name="Title 1"/>
           <p:cNvSpPr>
             <a:spLocks noGrp="1"/>
           </p:cNvSpPr>
@@ -1248,18 +1104,13 @@
               <a:rPr lang="en-US"/>
               <a:t>Click to edit Master title style</a:t>
             </a:r>
-          </a:p>
-        </p:txBody>
-      </p:sp>
-      <p:sp>
-        <p:nvSpPr>
-          <p:cNvPr id="3" name="Content Placeholder 2">
-            <a:extLst>
-              <a:ext uri="{FF2B5EF4-FFF2-40B4-BE49-F238E27FC236}">
-                <a16:creationId xmlns:a16="http://schemas.microsoft.com/office/drawing/2014/main" id="{BAC2E4F3-10DE-EA4A-9AC7-369C959020D6}"/>
-              </a:ext>
-            </a:extLst>
-          </p:cNvPr>
+            <a:endParaRPr lang="en-US" dirty="0"/>
+          </a:p>
+        </p:txBody>
+      </p:sp>
+      <p:sp>
+        <p:nvSpPr>
+          <p:cNvPr id="3" name="Content Placeholder 2"/>
           <p:cNvSpPr>
             <a:spLocks noGrp="1"/>
           </p:cNvSpPr>
@@ -1269,8 +1120,8 @@
         </p:nvSpPr>
         <p:spPr>
           <a:xfrm>
-            <a:off x="838200" y="1825625"/>
-            <a:ext cx="5181600" cy="4351338"/>
+            <a:off x="471488" y="3245556"/>
+            <a:ext cx="2914650" cy="7735712"/>
           </a:xfrm>
         </p:spPr>
         <p:txBody>
@@ -1310,18 +1161,13 @@
               <a:rPr lang="en-US"/>
               <a:t>Fifth level</a:t>
             </a:r>
-          </a:p>
-        </p:txBody>
-      </p:sp>
-      <p:sp>
-        <p:nvSpPr>
-          <p:cNvPr id="4" name="Content Placeholder 3">
-            <a:extLst>
-              <a:ext uri="{FF2B5EF4-FFF2-40B4-BE49-F238E27FC236}">
-                <a16:creationId xmlns:a16="http://schemas.microsoft.com/office/drawing/2014/main" id="{C6A0172C-8D45-4645-AAD7-11B37E60B6E5}"/>
-              </a:ext>
-            </a:extLst>
-          </p:cNvPr>
+            <a:endParaRPr lang="en-US" dirty="0"/>
+          </a:p>
+        </p:txBody>
+      </p:sp>
+      <p:sp>
+        <p:nvSpPr>
+          <p:cNvPr id="4" name="Content Placeholder 3"/>
           <p:cNvSpPr>
             <a:spLocks noGrp="1"/>
           </p:cNvSpPr>
@@ -1331,8 +1177,8 @@
         </p:nvSpPr>
         <p:spPr>
           <a:xfrm>
-            <a:off x="6172200" y="1825625"/>
-            <a:ext cx="5181600" cy="4351338"/>
+            <a:off x="3471863" y="3245556"/>
+            <a:ext cx="2914650" cy="7735712"/>
           </a:xfrm>
         </p:spPr>
         <p:txBody>
@@ -1372,18 +1218,13 @@
               <a:rPr lang="en-US"/>
               <a:t>Fifth level</a:t>
             </a:r>
-          </a:p>
-        </p:txBody>
-      </p:sp>
-      <p:sp>
-        <p:nvSpPr>
-          <p:cNvPr id="5" name="Date Placeholder 4">
-            <a:extLst>
-              <a:ext uri="{FF2B5EF4-FFF2-40B4-BE49-F238E27FC236}">
-                <a16:creationId xmlns:a16="http://schemas.microsoft.com/office/drawing/2014/main" id="{7ED418AA-3894-6D40-8BD7-FA0B6F76A29E}"/>
-              </a:ext>
-            </a:extLst>
-          </p:cNvPr>
+            <a:endParaRPr lang="en-US" dirty="0"/>
+          </a:p>
+        </p:txBody>
+      </p:sp>
+      <p:sp>
+        <p:nvSpPr>
+          <p:cNvPr id="5" name="Date Placeholder 4"/>
           <p:cNvSpPr>
             <a:spLocks noGrp="1"/>
           </p:cNvSpPr>
@@ -1398,7 +1239,7 @@
           <a:p>
             <a:fld id="{337251E0-F0A3-B24B-B44F-1BC0F21ABC7F}" type="datetimeFigureOut">
               <a:rPr lang="en-US" smtClean="0"/>
-              <a:t>10/14/20</a:t>
+              <a:t>11/2/20</a:t>
             </a:fld>
             <a:endParaRPr lang="en-US"/>
           </a:p>
@@ -1406,13 +1247,7 @@
       </p:sp>
       <p:sp>
         <p:nvSpPr>
-          <p:cNvPr id="6" name="Footer Placeholder 5">
-            <a:extLst>
-              <a:ext uri="{FF2B5EF4-FFF2-40B4-BE49-F238E27FC236}">
-                <a16:creationId xmlns:a16="http://schemas.microsoft.com/office/drawing/2014/main" id="{92A71648-5DCE-9143-9B68-F14C85F7B11A}"/>
-              </a:ext>
-            </a:extLst>
-          </p:cNvPr>
+          <p:cNvPr id="6" name="Footer Placeholder 5"/>
           <p:cNvSpPr>
             <a:spLocks noGrp="1"/>
           </p:cNvSpPr>
@@ -1431,13 +1266,7 @@
       </p:sp>
       <p:sp>
         <p:nvSpPr>
-          <p:cNvPr id="7" name="Slide Number Placeholder 6">
-            <a:extLst>
-              <a:ext uri="{FF2B5EF4-FFF2-40B4-BE49-F238E27FC236}">
-                <a16:creationId xmlns:a16="http://schemas.microsoft.com/office/drawing/2014/main" id="{7D821ED6-3D89-2947-B7AE-CD4566C8F352}"/>
-              </a:ext>
-            </a:extLst>
-          </p:cNvPr>
+          <p:cNvPr id="7" name="Slide Number Placeholder 6"/>
           <p:cNvSpPr>
             <a:spLocks noGrp="1"/>
           </p:cNvSpPr>
@@ -1461,7 +1290,7 @@
     </p:spTree>
     <p:extLst>
       <p:ext uri="{BB962C8B-B14F-4D97-AF65-F5344CB8AC3E}">
-        <p14:creationId xmlns:p14="http://schemas.microsoft.com/office/powerpoint/2010/main" val="926596639"/>
+        <p14:creationId xmlns:p14="http://schemas.microsoft.com/office/powerpoint/2010/main" val="516929683"/>
       </p:ext>
     </p:extLst>
   </p:cSld>
@@ -1490,13 +1319,7 @@
       </p:grpSpPr>
       <p:sp>
         <p:nvSpPr>
-          <p:cNvPr id="2" name="Title 1">
-            <a:extLst>
-              <a:ext uri="{FF2B5EF4-FFF2-40B4-BE49-F238E27FC236}">
-                <a16:creationId xmlns:a16="http://schemas.microsoft.com/office/drawing/2014/main" id="{52D25E82-48CB-F54C-B608-218A864270DE}"/>
-              </a:ext>
-            </a:extLst>
-          </p:cNvPr>
+          <p:cNvPr id="2" name="Title 1"/>
           <p:cNvSpPr>
             <a:spLocks noGrp="1"/>
           </p:cNvSpPr>
@@ -1506,8 +1329,8 @@
         </p:nvSpPr>
         <p:spPr>
           <a:xfrm>
-            <a:off x="839788" y="365125"/>
-            <a:ext cx="10515600" cy="1325563"/>
+            <a:off x="472381" y="649114"/>
+            <a:ext cx="5915025" cy="2356556"/>
           </a:xfrm>
         </p:spPr>
         <p:txBody>
@@ -1518,18 +1341,13 @@
               <a:rPr lang="en-US"/>
               <a:t>Click to edit Master title style</a:t>
             </a:r>
-          </a:p>
-        </p:txBody>
-      </p:sp>
-      <p:sp>
-        <p:nvSpPr>
-          <p:cNvPr id="3" name="Text Placeholder 2">
-            <a:extLst>
-              <a:ext uri="{FF2B5EF4-FFF2-40B4-BE49-F238E27FC236}">
-                <a16:creationId xmlns:a16="http://schemas.microsoft.com/office/drawing/2014/main" id="{82C07311-234C-174F-849C-092B2409C934}"/>
-              </a:ext>
-            </a:extLst>
-          </p:cNvPr>
+            <a:endParaRPr lang="en-US" dirty="0"/>
+          </a:p>
+        </p:txBody>
+      </p:sp>
+      <p:sp>
+        <p:nvSpPr>
+          <p:cNvPr id="3" name="Text Placeholder 2"/>
           <p:cNvSpPr>
             <a:spLocks noGrp="1"/>
           </p:cNvSpPr>
@@ -1539,8 +1357,8 @@
         </p:nvSpPr>
         <p:spPr>
           <a:xfrm>
-            <a:off x="839788" y="1681163"/>
-            <a:ext cx="5157787" cy="823912"/>
+            <a:off x="472381" y="2988734"/>
+            <a:ext cx="2901255" cy="1464732"/>
           </a:xfrm>
         </p:spPr>
         <p:txBody>
@@ -1548,39 +1366,39 @@
           <a:lstStyle>
             <a:lvl1pPr marL="0" indent="0">
               <a:buNone/>
-              <a:defRPr sz="2400" b="1"/>
+              <a:defRPr sz="1800" b="1"/>
             </a:lvl1pPr>
-            <a:lvl2pPr marL="457200" indent="0">
-              <a:buNone/>
-              <a:defRPr sz="2000" b="1"/>
+            <a:lvl2pPr marL="342900" indent="0">
+              <a:buNone/>
+              <a:defRPr sz="1500" b="1"/>
             </a:lvl2pPr>
-            <a:lvl3pPr marL="914400" indent="0">
-              <a:buNone/>
-              <a:defRPr sz="1800" b="1"/>
+            <a:lvl3pPr marL="685800" indent="0">
+              <a:buNone/>
+              <a:defRPr sz="1350" b="1"/>
             </a:lvl3pPr>
-            <a:lvl4pPr marL="1371600" indent="0">
-              <a:buNone/>
-              <a:defRPr sz="1600" b="1"/>
+            <a:lvl4pPr marL="1028700" indent="0">
+              <a:buNone/>
+              <a:defRPr sz="1200" b="1"/>
             </a:lvl4pPr>
-            <a:lvl5pPr marL="1828800" indent="0">
-              <a:buNone/>
-              <a:defRPr sz="1600" b="1"/>
+            <a:lvl5pPr marL="1371600" indent="0">
+              <a:buNone/>
+              <a:defRPr sz="1200" b="1"/>
             </a:lvl5pPr>
-            <a:lvl6pPr marL="2286000" indent="0">
-              <a:buNone/>
-              <a:defRPr sz="1600" b="1"/>
+            <a:lvl6pPr marL="1714500" indent="0">
+              <a:buNone/>
+              <a:defRPr sz="1200" b="1"/>
             </a:lvl6pPr>
-            <a:lvl7pPr marL="2743200" indent="0">
-              <a:buNone/>
-              <a:defRPr sz="1600" b="1"/>
+            <a:lvl7pPr marL="2057400" indent="0">
+              <a:buNone/>
+              <a:defRPr sz="1200" b="1"/>
             </a:lvl7pPr>
-            <a:lvl8pPr marL="3200400" indent="0">
-              <a:buNone/>
-              <a:defRPr sz="1600" b="1"/>
+            <a:lvl8pPr marL="2400300" indent="0">
+              <a:buNone/>
+              <a:defRPr sz="1200" b="1"/>
             </a:lvl8pPr>
-            <a:lvl9pPr marL="3657600" indent="0">
-              <a:buNone/>
-              <a:defRPr sz="1600" b="1"/>
+            <a:lvl9pPr marL="2743200" indent="0">
+              <a:buNone/>
+              <a:defRPr sz="1200" b="1"/>
             </a:lvl9pPr>
           </a:lstStyle>
           <a:p>
@@ -1594,13 +1412,7 @@
       </p:sp>
       <p:sp>
         <p:nvSpPr>
-          <p:cNvPr id="4" name="Content Placeholder 3">
-            <a:extLst>
-              <a:ext uri="{FF2B5EF4-FFF2-40B4-BE49-F238E27FC236}">
-                <a16:creationId xmlns:a16="http://schemas.microsoft.com/office/drawing/2014/main" id="{709752E3-EEAB-0941-A42B-BBEF3D49782A}"/>
-              </a:ext>
-            </a:extLst>
-          </p:cNvPr>
+          <p:cNvPr id="4" name="Content Placeholder 3"/>
           <p:cNvSpPr>
             <a:spLocks noGrp="1"/>
           </p:cNvSpPr>
@@ -1610,8 +1422,8 @@
         </p:nvSpPr>
         <p:spPr>
           <a:xfrm>
-            <a:off x="839788" y="2505075"/>
-            <a:ext cx="5157787" cy="3684588"/>
+            <a:off x="472381" y="4453467"/>
+            <a:ext cx="2901255" cy="6550379"/>
           </a:xfrm>
         </p:spPr>
         <p:txBody>
@@ -1651,18 +1463,13 @@
               <a:rPr lang="en-US"/>
               <a:t>Fifth level</a:t>
             </a:r>
-          </a:p>
-        </p:txBody>
-      </p:sp>
-      <p:sp>
-        <p:nvSpPr>
-          <p:cNvPr id="5" name="Text Placeholder 4">
-            <a:extLst>
-              <a:ext uri="{FF2B5EF4-FFF2-40B4-BE49-F238E27FC236}">
-                <a16:creationId xmlns:a16="http://schemas.microsoft.com/office/drawing/2014/main" id="{4C32D877-3979-864D-A904-8E51C0A1ACD6}"/>
-              </a:ext>
-            </a:extLst>
-          </p:cNvPr>
+            <a:endParaRPr lang="en-US" dirty="0"/>
+          </a:p>
+        </p:txBody>
+      </p:sp>
+      <p:sp>
+        <p:nvSpPr>
+          <p:cNvPr id="5" name="Text Placeholder 4"/>
           <p:cNvSpPr>
             <a:spLocks noGrp="1"/>
           </p:cNvSpPr>
@@ -1672,8 +1479,8 @@
         </p:nvSpPr>
         <p:spPr>
           <a:xfrm>
-            <a:off x="6172200" y="1681163"/>
-            <a:ext cx="5183188" cy="823912"/>
+            <a:off x="3471863" y="2988734"/>
+            <a:ext cx="2915543" cy="1464732"/>
           </a:xfrm>
         </p:spPr>
         <p:txBody>
@@ -1681,39 +1488,39 @@
           <a:lstStyle>
             <a:lvl1pPr marL="0" indent="0">
               <a:buNone/>
-              <a:defRPr sz="2400" b="1"/>
+              <a:defRPr sz="1800" b="1"/>
             </a:lvl1pPr>
-            <a:lvl2pPr marL="457200" indent="0">
-              <a:buNone/>
-              <a:defRPr sz="2000" b="1"/>
+            <a:lvl2pPr marL="342900" indent="0">
+              <a:buNone/>
+              <a:defRPr sz="1500" b="1"/>
             </a:lvl2pPr>
-            <a:lvl3pPr marL="914400" indent="0">
-              <a:buNone/>
-              <a:defRPr sz="1800" b="1"/>
+            <a:lvl3pPr marL="685800" indent="0">
+              <a:buNone/>
+              <a:defRPr sz="1350" b="1"/>
             </a:lvl3pPr>
-            <a:lvl4pPr marL="1371600" indent="0">
-              <a:buNone/>
-              <a:defRPr sz="1600" b="1"/>
+            <a:lvl4pPr marL="1028700" indent="0">
+              <a:buNone/>
+              <a:defRPr sz="1200" b="1"/>
             </a:lvl4pPr>
-            <a:lvl5pPr marL="1828800" indent="0">
-              <a:buNone/>
-              <a:defRPr sz="1600" b="1"/>
+            <a:lvl5pPr marL="1371600" indent="0">
+              <a:buNone/>
+              <a:defRPr sz="1200" b="1"/>
             </a:lvl5pPr>
-            <a:lvl6pPr marL="2286000" indent="0">
-              <a:buNone/>
-              <a:defRPr sz="1600" b="1"/>
+            <a:lvl6pPr marL="1714500" indent="0">
+              <a:buNone/>
+              <a:defRPr sz="1200" b="1"/>
             </a:lvl6pPr>
-            <a:lvl7pPr marL="2743200" indent="0">
-              <a:buNone/>
-              <a:defRPr sz="1600" b="1"/>
+            <a:lvl7pPr marL="2057400" indent="0">
+              <a:buNone/>
+              <a:defRPr sz="1200" b="1"/>
             </a:lvl7pPr>
-            <a:lvl8pPr marL="3200400" indent="0">
-              <a:buNone/>
-              <a:defRPr sz="1600" b="1"/>
+            <a:lvl8pPr marL="2400300" indent="0">
+              <a:buNone/>
+              <a:defRPr sz="1200" b="1"/>
             </a:lvl8pPr>
-            <a:lvl9pPr marL="3657600" indent="0">
-              <a:buNone/>
-              <a:defRPr sz="1600" b="1"/>
+            <a:lvl9pPr marL="2743200" indent="0">
+              <a:buNone/>
+              <a:defRPr sz="1200" b="1"/>
             </a:lvl9pPr>
           </a:lstStyle>
           <a:p>
@@ -1727,13 +1534,7 @@
       </p:sp>
       <p:sp>
         <p:nvSpPr>
-          <p:cNvPr id="6" name="Content Placeholder 5">
-            <a:extLst>
-              <a:ext uri="{FF2B5EF4-FFF2-40B4-BE49-F238E27FC236}">
-                <a16:creationId xmlns:a16="http://schemas.microsoft.com/office/drawing/2014/main" id="{D5AE98D1-3A4C-D44E-A465-8D23E3AC3B83}"/>
-              </a:ext>
-            </a:extLst>
-          </p:cNvPr>
+          <p:cNvPr id="6" name="Content Placeholder 5"/>
           <p:cNvSpPr>
             <a:spLocks noGrp="1"/>
           </p:cNvSpPr>
@@ -1743,8 +1544,8 @@
         </p:nvSpPr>
         <p:spPr>
           <a:xfrm>
-            <a:off x="6172200" y="2505075"/>
-            <a:ext cx="5183188" cy="3684588"/>
+            <a:off x="3471863" y="4453467"/>
+            <a:ext cx="2915543" cy="6550379"/>
           </a:xfrm>
         </p:spPr>
         <p:txBody>
@@ -1784,18 +1585,13 @@
               <a:rPr lang="en-US"/>
               <a:t>Fifth level</a:t>
             </a:r>
-          </a:p>
-        </p:txBody>
-      </p:sp>
-      <p:sp>
-        <p:nvSpPr>
-          <p:cNvPr id="7" name="Date Placeholder 6">
-            <a:extLst>
-              <a:ext uri="{FF2B5EF4-FFF2-40B4-BE49-F238E27FC236}">
-                <a16:creationId xmlns:a16="http://schemas.microsoft.com/office/drawing/2014/main" id="{E2D6C1CC-1A22-484E-985B-6D90EF406522}"/>
-              </a:ext>
-            </a:extLst>
-          </p:cNvPr>
+            <a:endParaRPr lang="en-US" dirty="0"/>
+          </a:p>
+        </p:txBody>
+      </p:sp>
+      <p:sp>
+        <p:nvSpPr>
+          <p:cNvPr id="7" name="Date Placeholder 6"/>
           <p:cNvSpPr>
             <a:spLocks noGrp="1"/>
           </p:cNvSpPr>
@@ -1810,7 +1606,7 @@
           <a:p>
             <a:fld id="{337251E0-F0A3-B24B-B44F-1BC0F21ABC7F}" type="datetimeFigureOut">
               <a:rPr lang="en-US" smtClean="0"/>
-              <a:t>10/14/20</a:t>
+              <a:t>11/2/20</a:t>
             </a:fld>
             <a:endParaRPr lang="en-US"/>
           </a:p>
@@ -1818,13 +1614,7 @@
       </p:sp>
       <p:sp>
         <p:nvSpPr>
-          <p:cNvPr id="8" name="Footer Placeholder 7">
-            <a:extLst>
-              <a:ext uri="{FF2B5EF4-FFF2-40B4-BE49-F238E27FC236}">
-                <a16:creationId xmlns:a16="http://schemas.microsoft.com/office/drawing/2014/main" id="{10E540CA-5D60-854D-86F7-F0E6B0A0536C}"/>
-              </a:ext>
-            </a:extLst>
-          </p:cNvPr>
+          <p:cNvPr id="8" name="Footer Placeholder 7"/>
           <p:cNvSpPr>
             <a:spLocks noGrp="1"/>
           </p:cNvSpPr>
@@ -1843,13 +1633,7 @@
       </p:sp>
       <p:sp>
         <p:nvSpPr>
-          <p:cNvPr id="9" name="Slide Number Placeholder 8">
-            <a:extLst>
-              <a:ext uri="{FF2B5EF4-FFF2-40B4-BE49-F238E27FC236}">
-                <a16:creationId xmlns:a16="http://schemas.microsoft.com/office/drawing/2014/main" id="{D28E134B-1941-FC48-82DA-75CB70ADAE1F}"/>
-              </a:ext>
-            </a:extLst>
-          </p:cNvPr>
+          <p:cNvPr id="9" name="Slide Number Placeholder 8"/>
           <p:cNvSpPr>
             <a:spLocks noGrp="1"/>
           </p:cNvSpPr>
@@ -1873,7 +1657,7 @@
     </p:spTree>
     <p:extLst>
       <p:ext uri="{BB962C8B-B14F-4D97-AF65-F5344CB8AC3E}">
-        <p14:creationId xmlns:p14="http://schemas.microsoft.com/office/powerpoint/2010/main" val="3979932126"/>
+        <p14:creationId xmlns:p14="http://schemas.microsoft.com/office/powerpoint/2010/main" val="1629953790"/>
       </p:ext>
     </p:extLst>
   </p:cSld>
@@ -1902,13 +1686,7 @@
       </p:grpSpPr>
       <p:sp>
         <p:nvSpPr>
-          <p:cNvPr id="2" name="Title 1">
-            <a:extLst>
-              <a:ext uri="{FF2B5EF4-FFF2-40B4-BE49-F238E27FC236}">
-                <a16:creationId xmlns:a16="http://schemas.microsoft.com/office/drawing/2014/main" id="{17C34564-498D-5240-840D-EE5680C62922}"/>
-              </a:ext>
-            </a:extLst>
-          </p:cNvPr>
+          <p:cNvPr id="2" name="Title 1"/>
           <p:cNvSpPr>
             <a:spLocks noGrp="1"/>
           </p:cNvSpPr>
@@ -1925,18 +1703,13 @@
               <a:rPr lang="en-US"/>
               <a:t>Click to edit Master title style</a:t>
             </a:r>
-          </a:p>
-        </p:txBody>
-      </p:sp>
-      <p:sp>
-        <p:nvSpPr>
-          <p:cNvPr id="3" name="Date Placeholder 2">
-            <a:extLst>
-              <a:ext uri="{FF2B5EF4-FFF2-40B4-BE49-F238E27FC236}">
-                <a16:creationId xmlns:a16="http://schemas.microsoft.com/office/drawing/2014/main" id="{4692844A-09FE-4643-B774-DCF50AF7861A}"/>
-              </a:ext>
-            </a:extLst>
-          </p:cNvPr>
+            <a:endParaRPr lang="en-US" dirty="0"/>
+          </a:p>
+        </p:txBody>
+      </p:sp>
+      <p:sp>
+        <p:nvSpPr>
+          <p:cNvPr id="3" name="Date Placeholder 2"/>
           <p:cNvSpPr>
             <a:spLocks noGrp="1"/>
           </p:cNvSpPr>
@@ -1951,7 +1724,7 @@
           <a:p>
             <a:fld id="{337251E0-F0A3-B24B-B44F-1BC0F21ABC7F}" type="datetimeFigureOut">
               <a:rPr lang="en-US" smtClean="0"/>
-              <a:t>10/14/20</a:t>
+              <a:t>11/2/20</a:t>
             </a:fld>
             <a:endParaRPr lang="en-US"/>
           </a:p>
@@ -1959,13 +1732,7 @@
       </p:sp>
       <p:sp>
         <p:nvSpPr>
-          <p:cNvPr id="4" name="Footer Placeholder 3">
-            <a:extLst>
-              <a:ext uri="{FF2B5EF4-FFF2-40B4-BE49-F238E27FC236}">
-                <a16:creationId xmlns:a16="http://schemas.microsoft.com/office/drawing/2014/main" id="{E78F9FF9-FBEA-FA45-A428-8D8641EBD35A}"/>
-              </a:ext>
-            </a:extLst>
-          </p:cNvPr>
+          <p:cNvPr id="4" name="Footer Placeholder 3"/>
           <p:cNvSpPr>
             <a:spLocks noGrp="1"/>
           </p:cNvSpPr>
@@ -1984,13 +1751,7 @@
       </p:sp>
       <p:sp>
         <p:nvSpPr>
-          <p:cNvPr id="5" name="Slide Number Placeholder 4">
-            <a:extLst>
-              <a:ext uri="{FF2B5EF4-FFF2-40B4-BE49-F238E27FC236}">
-                <a16:creationId xmlns:a16="http://schemas.microsoft.com/office/drawing/2014/main" id="{1CD69B77-FA57-6C4C-A78F-37F1714E87CC}"/>
-              </a:ext>
-            </a:extLst>
-          </p:cNvPr>
+          <p:cNvPr id="5" name="Slide Number Placeholder 4"/>
           <p:cNvSpPr>
             <a:spLocks noGrp="1"/>
           </p:cNvSpPr>
@@ -2014,7 +1775,7 @@
     </p:spTree>
     <p:extLst>
       <p:ext uri="{BB962C8B-B14F-4D97-AF65-F5344CB8AC3E}">
-        <p14:creationId xmlns:p14="http://schemas.microsoft.com/office/powerpoint/2010/main" val="1282202924"/>
+        <p14:creationId xmlns:p14="http://schemas.microsoft.com/office/powerpoint/2010/main" val="1882277085"/>
       </p:ext>
     </p:extLst>
   </p:cSld>
@@ -2043,13 +1804,7 @@
       </p:grpSpPr>
       <p:sp>
         <p:nvSpPr>
-          <p:cNvPr id="2" name="Date Placeholder 1">
-            <a:extLst>
-              <a:ext uri="{FF2B5EF4-FFF2-40B4-BE49-F238E27FC236}">
-                <a16:creationId xmlns:a16="http://schemas.microsoft.com/office/drawing/2014/main" id="{990AA773-D6DF-E742-978B-A591A7A2177D}"/>
-              </a:ext>
-            </a:extLst>
-          </p:cNvPr>
+          <p:cNvPr id="2" name="Date Placeholder 1"/>
           <p:cNvSpPr>
             <a:spLocks noGrp="1"/>
           </p:cNvSpPr>
@@ -2064,7 +1819,7 @@
           <a:p>
             <a:fld id="{337251E0-F0A3-B24B-B44F-1BC0F21ABC7F}" type="datetimeFigureOut">
               <a:rPr lang="en-US" smtClean="0"/>
-              <a:t>10/14/20</a:t>
+              <a:t>11/2/20</a:t>
             </a:fld>
             <a:endParaRPr lang="en-US"/>
           </a:p>
@@ -2072,13 +1827,7 @@
       </p:sp>
       <p:sp>
         <p:nvSpPr>
-          <p:cNvPr id="3" name="Footer Placeholder 2">
-            <a:extLst>
-              <a:ext uri="{FF2B5EF4-FFF2-40B4-BE49-F238E27FC236}">
-                <a16:creationId xmlns:a16="http://schemas.microsoft.com/office/drawing/2014/main" id="{C052F337-DE6E-9D4E-B20F-7E8E98900D9B}"/>
-              </a:ext>
-            </a:extLst>
-          </p:cNvPr>
+          <p:cNvPr id="3" name="Footer Placeholder 2"/>
           <p:cNvSpPr>
             <a:spLocks noGrp="1"/>
           </p:cNvSpPr>
@@ -2097,13 +1846,7 @@
       </p:sp>
       <p:sp>
         <p:nvSpPr>
-          <p:cNvPr id="4" name="Slide Number Placeholder 3">
-            <a:extLst>
-              <a:ext uri="{FF2B5EF4-FFF2-40B4-BE49-F238E27FC236}">
-                <a16:creationId xmlns:a16="http://schemas.microsoft.com/office/drawing/2014/main" id="{80286B8F-3D02-D848-A03D-C1CC915A525A}"/>
-              </a:ext>
-            </a:extLst>
-          </p:cNvPr>
+          <p:cNvPr id="4" name="Slide Number Placeholder 3"/>
           <p:cNvSpPr>
             <a:spLocks noGrp="1"/>
           </p:cNvSpPr>
@@ -2127,7 +1870,7 @@
     </p:spTree>
     <p:extLst>
       <p:ext uri="{BB962C8B-B14F-4D97-AF65-F5344CB8AC3E}">
-        <p14:creationId xmlns:p14="http://schemas.microsoft.com/office/powerpoint/2010/main" val="4028031759"/>
+        <p14:creationId xmlns:p14="http://schemas.microsoft.com/office/powerpoint/2010/main" val="2631137292"/>
       </p:ext>
     </p:extLst>
   </p:cSld>
@@ -2156,13 +1899,7 @@
       </p:grpSpPr>
       <p:sp>
         <p:nvSpPr>
-          <p:cNvPr id="2" name="Title 1">
-            <a:extLst>
-              <a:ext uri="{FF2B5EF4-FFF2-40B4-BE49-F238E27FC236}">
-                <a16:creationId xmlns:a16="http://schemas.microsoft.com/office/drawing/2014/main" id="{BB8B05E8-3C7C-614D-AC16-1B828B7F8CA1}"/>
-              </a:ext>
-            </a:extLst>
-          </p:cNvPr>
+          <p:cNvPr id="2" name="Title 1"/>
           <p:cNvSpPr>
             <a:spLocks noGrp="1"/>
           </p:cNvSpPr>
@@ -2172,15 +1909,15 @@
         </p:nvSpPr>
         <p:spPr>
           <a:xfrm>
-            <a:off x="839788" y="457200"/>
-            <a:ext cx="3932237" cy="1600200"/>
+            <a:off x="472381" y="812800"/>
+            <a:ext cx="2211884" cy="2844800"/>
           </a:xfrm>
         </p:spPr>
         <p:txBody>
           <a:bodyPr anchor="b"/>
           <a:lstStyle>
             <a:lvl1pPr>
-              <a:defRPr sz="3200"/>
+              <a:defRPr sz="2400"/>
             </a:lvl1pPr>
           </a:lstStyle>
           <a:p>
@@ -2188,18 +1925,13 @@
               <a:rPr lang="en-US"/>
               <a:t>Click to edit Master title style</a:t>
             </a:r>
-          </a:p>
-        </p:txBody>
-      </p:sp>
-      <p:sp>
-        <p:nvSpPr>
-          <p:cNvPr id="3" name="Content Placeholder 2">
-            <a:extLst>
-              <a:ext uri="{FF2B5EF4-FFF2-40B4-BE49-F238E27FC236}">
-                <a16:creationId xmlns:a16="http://schemas.microsoft.com/office/drawing/2014/main" id="{ECECB638-58E7-4943-81F5-C4E155FECED9}"/>
-              </a:ext>
-            </a:extLst>
-          </p:cNvPr>
+            <a:endParaRPr lang="en-US" dirty="0"/>
+          </a:p>
+        </p:txBody>
+      </p:sp>
+      <p:sp>
+        <p:nvSpPr>
+          <p:cNvPr id="3" name="Content Placeholder 2"/>
           <p:cNvSpPr>
             <a:spLocks noGrp="1"/>
           </p:cNvSpPr>
@@ -2209,39 +1941,39 @@
         </p:nvSpPr>
         <p:spPr>
           <a:xfrm>
-            <a:off x="5183188" y="987425"/>
-            <a:ext cx="6172200" cy="4873625"/>
+            <a:off x="2915543" y="1755425"/>
+            <a:ext cx="3471863" cy="8664222"/>
           </a:xfrm>
         </p:spPr>
         <p:txBody>
           <a:bodyPr/>
           <a:lstStyle>
             <a:lvl1pPr>
-              <a:defRPr sz="3200"/>
+              <a:defRPr sz="2400"/>
             </a:lvl1pPr>
             <a:lvl2pPr>
-              <a:defRPr sz="2800"/>
+              <a:defRPr sz="2100"/>
             </a:lvl2pPr>
             <a:lvl3pPr>
-              <a:defRPr sz="2400"/>
+              <a:defRPr sz="1800"/>
             </a:lvl3pPr>
             <a:lvl4pPr>
-              <a:defRPr sz="2000"/>
+              <a:defRPr sz="1500"/>
             </a:lvl4pPr>
             <a:lvl5pPr>
-              <a:defRPr sz="2000"/>
+              <a:defRPr sz="1500"/>
             </a:lvl5pPr>
             <a:lvl6pPr>
-              <a:defRPr sz="2000"/>
+              <a:defRPr sz="1500"/>
             </a:lvl6pPr>
             <a:lvl7pPr>
-              <a:defRPr sz="2000"/>
+              <a:defRPr sz="1500"/>
             </a:lvl7pPr>
             <a:lvl8pPr>
-              <a:defRPr sz="2000"/>
+              <a:defRPr sz="1500"/>
             </a:lvl8pPr>
             <a:lvl9pPr>
-              <a:defRPr sz="2000"/>
+              <a:defRPr sz="1500"/>
             </a:lvl9pPr>
           </a:lstStyle>
           <a:p>
@@ -2278,18 +2010,13 @@
               <a:rPr lang="en-US"/>
               <a:t>Fifth level</a:t>
             </a:r>
-          </a:p>
-        </p:txBody>
-      </p:sp>
-      <p:sp>
-        <p:nvSpPr>
-          <p:cNvPr id="4" name="Text Placeholder 3">
-            <a:extLst>
-              <a:ext uri="{FF2B5EF4-FFF2-40B4-BE49-F238E27FC236}">
-                <a16:creationId xmlns:a16="http://schemas.microsoft.com/office/drawing/2014/main" id="{AFE761BD-A86E-F346-9074-244DFEB20C61}"/>
-              </a:ext>
-            </a:extLst>
-          </p:cNvPr>
+            <a:endParaRPr lang="en-US" dirty="0"/>
+          </a:p>
+        </p:txBody>
+      </p:sp>
+      <p:sp>
+        <p:nvSpPr>
+          <p:cNvPr id="4" name="Text Placeholder 3"/>
           <p:cNvSpPr>
             <a:spLocks noGrp="1"/>
           </p:cNvSpPr>
@@ -2299,8 +2026,8 @@
         </p:nvSpPr>
         <p:spPr>
           <a:xfrm>
-            <a:off x="839788" y="2057400"/>
-            <a:ext cx="3932237" cy="3811588"/>
+            <a:off x="472381" y="3657600"/>
+            <a:ext cx="2211884" cy="6776156"/>
           </a:xfrm>
         </p:spPr>
         <p:txBody>
@@ -2308,39 +2035,39 @@
           <a:lstStyle>
             <a:lvl1pPr marL="0" indent="0">
               <a:buNone/>
-              <a:defRPr sz="1600"/>
+              <a:defRPr sz="1200"/>
             </a:lvl1pPr>
-            <a:lvl2pPr marL="457200" indent="0">
-              <a:buNone/>
-              <a:defRPr sz="1400"/>
+            <a:lvl2pPr marL="342900" indent="0">
+              <a:buNone/>
+              <a:defRPr sz="1050"/>
             </a:lvl2pPr>
-            <a:lvl3pPr marL="914400" indent="0">
-              <a:buNone/>
-              <a:defRPr sz="1200"/>
+            <a:lvl3pPr marL="685800" indent="0">
+              <a:buNone/>
+              <a:defRPr sz="900"/>
             </a:lvl3pPr>
-            <a:lvl4pPr marL="1371600" indent="0">
-              <a:buNone/>
-              <a:defRPr sz="1000"/>
+            <a:lvl4pPr marL="1028700" indent="0">
+              <a:buNone/>
+              <a:defRPr sz="750"/>
             </a:lvl4pPr>
-            <a:lvl5pPr marL="1828800" indent="0">
-              <a:buNone/>
-              <a:defRPr sz="1000"/>
+            <a:lvl5pPr marL="1371600" indent="0">
+              <a:buNone/>
+              <a:defRPr sz="750"/>
             </a:lvl5pPr>
-            <a:lvl6pPr marL="2286000" indent="0">
-              <a:buNone/>
-              <a:defRPr sz="1000"/>
+            <a:lvl6pPr marL="1714500" indent="0">
+              <a:buNone/>
+              <a:defRPr sz="750"/>
             </a:lvl6pPr>
-            <a:lvl7pPr marL="2743200" indent="0">
-              <a:buNone/>
-              <a:defRPr sz="1000"/>
+            <a:lvl7pPr marL="2057400" indent="0">
+              <a:buNone/>
+              <a:defRPr sz="750"/>
             </a:lvl7pPr>
-            <a:lvl8pPr marL="3200400" indent="0">
-              <a:buNone/>
-              <a:defRPr sz="1000"/>
+            <a:lvl8pPr marL="2400300" indent="0">
+              <a:buNone/>
+              <a:defRPr sz="750"/>
             </a:lvl8pPr>
-            <a:lvl9pPr marL="3657600" indent="0">
-              <a:buNone/>
-              <a:defRPr sz="1000"/>
+            <a:lvl9pPr marL="2743200" indent="0">
+              <a:buNone/>
+              <a:defRPr sz="750"/>
             </a:lvl9pPr>
           </a:lstStyle>
           <a:p>
@@ -2354,13 +2081,7 @@
       </p:sp>
       <p:sp>
         <p:nvSpPr>
-          <p:cNvPr id="5" name="Date Placeholder 4">
-            <a:extLst>
-              <a:ext uri="{FF2B5EF4-FFF2-40B4-BE49-F238E27FC236}">
-                <a16:creationId xmlns:a16="http://schemas.microsoft.com/office/drawing/2014/main" id="{BB118B4F-2B93-9D4A-BAE3-C94A397C5DB9}"/>
-              </a:ext>
-            </a:extLst>
-          </p:cNvPr>
+          <p:cNvPr id="5" name="Date Placeholder 4"/>
           <p:cNvSpPr>
             <a:spLocks noGrp="1"/>
           </p:cNvSpPr>
@@ -2375,7 +2096,7 @@
           <a:p>
             <a:fld id="{337251E0-F0A3-B24B-B44F-1BC0F21ABC7F}" type="datetimeFigureOut">
               <a:rPr lang="en-US" smtClean="0"/>
-              <a:t>10/14/20</a:t>
+              <a:t>11/2/20</a:t>
             </a:fld>
             <a:endParaRPr lang="en-US"/>
           </a:p>
@@ -2383,13 +2104,7 @@
       </p:sp>
       <p:sp>
         <p:nvSpPr>
-          <p:cNvPr id="6" name="Footer Placeholder 5">
-            <a:extLst>
-              <a:ext uri="{FF2B5EF4-FFF2-40B4-BE49-F238E27FC236}">
-                <a16:creationId xmlns:a16="http://schemas.microsoft.com/office/drawing/2014/main" id="{137E6AEF-CC5E-4846-B708-63F67BAD7743}"/>
-              </a:ext>
-            </a:extLst>
-          </p:cNvPr>
+          <p:cNvPr id="6" name="Footer Placeholder 5"/>
           <p:cNvSpPr>
             <a:spLocks noGrp="1"/>
           </p:cNvSpPr>
@@ -2408,13 +2123,7 @@
       </p:sp>
       <p:sp>
         <p:nvSpPr>
-          <p:cNvPr id="7" name="Slide Number Placeholder 6">
-            <a:extLst>
-              <a:ext uri="{FF2B5EF4-FFF2-40B4-BE49-F238E27FC236}">
-                <a16:creationId xmlns:a16="http://schemas.microsoft.com/office/drawing/2014/main" id="{B1C65E6F-1FC1-1243-BAAA-5792F43C3654}"/>
-              </a:ext>
-            </a:extLst>
-          </p:cNvPr>
+          <p:cNvPr id="7" name="Slide Number Placeholder 6"/>
           <p:cNvSpPr>
             <a:spLocks noGrp="1"/>
           </p:cNvSpPr>
@@ -2438,7 +2147,7 @@
     </p:spTree>
     <p:extLst>
       <p:ext uri="{BB962C8B-B14F-4D97-AF65-F5344CB8AC3E}">
-        <p14:creationId xmlns:p14="http://schemas.microsoft.com/office/powerpoint/2010/main" val="1932517712"/>
+        <p14:creationId xmlns:p14="http://schemas.microsoft.com/office/powerpoint/2010/main" val="4174851949"/>
       </p:ext>
     </p:extLst>
   </p:cSld>
@@ -2467,13 +2176,7 @@
       </p:grpSpPr>
       <p:sp>
         <p:nvSpPr>
-          <p:cNvPr id="2" name="Title 1">
-            <a:extLst>
-              <a:ext uri="{FF2B5EF4-FFF2-40B4-BE49-F238E27FC236}">
-                <a16:creationId xmlns:a16="http://schemas.microsoft.com/office/drawing/2014/main" id="{667F6BC5-F61B-454D-8220-2DCAB17EB528}"/>
-              </a:ext>
-            </a:extLst>
-          </p:cNvPr>
+          <p:cNvPr id="2" name="Title 1"/>
           <p:cNvSpPr>
             <a:spLocks noGrp="1"/>
           </p:cNvSpPr>
@@ -2483,15 +2186,15 @@
         </p:nvSpPr>
         <p:spPr>
           <a:xfrm>
-            <a:off x="839788" y="457200"/>
-            <a:ext cx="3932237" cy="1600200"/>
+            <a:off x="472381" y="812800"/>
+            <a:ext cx="2211884" cy="2844800"/>
           </a:xfrm>
         </p:spPr>
         <p:txBody>
           <a:bodyPr anchor="b"/>
           <a:lstStyle>
             <a:lvl1pPr>
-              <a:defRPr sz="3200"/>
+              <a:defRPr sz="2400"/>
             </a:lvl1pPr>
           </a:lstStyle>
           <a:p>
@@ -2499,20 +2202,15 @@
               <a:rPr lang="en-US"/>
               <a:t>Click to edit Master title style</a:t>
             </a:r>
-          </a:p>
-        </p:txBody>
-      </p:sp>
-      <p:sp>
-        <p:nvSpPr>
-          <p:cNvPr id="3" name="Picture Placeholder 2">
-            <a:extLst>
-              <a:ext uri="{FF2B5EF4-FFF2-40B4-BE49-F238E27FC236}">
-                <a16:creationId xmlns:a16="http://schemas.microsoft.com/office/drawing/2014/main" id="{CC81E152-184D-E54A-AD13-1804368BE95C}"/>
-              </a:ext>
-            </a:extLst>
-          </p:cNvPr>
-          <p:cNvSpPr>
-            <a:spLocks noGrp="1"/>
+            <a:endParaRPr lang="en-US" dirty="0"/>
+          </a:p>
+        </p:txBody>
+      </p:sp>
+      <p:sp>
+        <p:nvSpPr>
+          <p:cNvPr id="3" name="Picture Placeholder 2"/>
+          <p:cNvSpPr>
+            <a:spLocks noGrp="1" noChangeAspect="1"/>
           </p:cNvSpPr>
           <p:nvPr>
             <p:ph type="pic" idx="1"/>
@@ -2520,64 +2218,62 @@
         </p:nvSpPr>
         <p:spPr>
           <a:xfrm>
-            <a:off x="5183188" y="987425"/>
-            <a:ext cx="6172200" cy="4873625"/>
+            <a:off x="2915543" y="1755425"/>
+            <a:ext cx="3471863" cy="8664222"/>
           </a:xfrm>
         </p:spPr>
         <p:txBody>
-          <a:bodyPr/>
+          <a:bodyPr anchor="t"/>
           <a:lstStyle>
             <a:lvl1pPr marL="0" indent="0">
               <a:buNone/>
-              <a:defRPr sz="3200"/>
+              <a:defRPr sz="2400"/>
             </a:lvl1pPr>
-            <a:lvl2pPr marL="457200" indent="0">
-              <a:buNone/>
-              <a:defRPr sz="2800"/>
+            <a:lvl2pPr marL="342900" indent="0">
+              <a:buNone/>
+              <a:defRPr sz="2100"/>
             </a:lvl2pPr>
-            <a:lvl3pPr marL="914400" indent="0">
-              <a:buNone/>
-              <a:defRPr sz="2400"/>
+            <a:lvl3pPr marL="685800" indent="0">
+              <a:buNone/>
+              <a:defRPr sz="1800"/>
             </a:lvl3pPr>
-            <a:lvl4pPr marL="1371600" indent="0">
-              <a:buNone/>
-              <a:defRPr sz="2000"/>
+            <a:lvl4pPr marL="1028700" indent="0">
+              <a:buNone/>
+              <a:defRPr sz="1500"/>
             </a:lvl4pPr>
-            <a:lvl5pPr marL="1828800" indent="0">
-              <a:buNone/>
-              <a:defRPr sz="2000"/>
+            <a:lvl5pPr marL="1371600" indent="0">
+              <a:buNone/>
+              <a:defRPr sz="1500"/>
             </a:lvl5pPr>
-            <a:lvl6pPr marL="2286000" indent="0">
-              <a:buNone/>
-              <a:defRPr sz="2000"/>
+            <a:lvl6pPr marL="1714500" indent="0">
+              <a:buNone/>
+              <a:defRPr sz="1500"/>
             </a:lvl6pPr>
-            <a:lvl7pPr marL="2743200" indent="0">
-              <a:buNone/>
-              <a:defRPr sz="2000"/>
+            <a:lvl7pPr marL="2057400" indent="0">
+              <a:buNone/>
+              <a:defRPr sz="1500"/>
             </a:lvl7pPr>
-            <a:lvl8pPr marL="3200400" indent="0">
-              <a:buNone/>
-              <a:defRPr sz="2000"/>
+            <a:lvl8pPr marL="2400300" indent="0">
+              <a:buNone/>
+              <a:defRPr sz="1500"/>
             </a:lvl8pPr>
-            <a:lvl9pPr marL="3657600" indent="0">
-              <a:buNone/>
-              <a:defRPr sz="2000"/>
+            <a:lvl9pPr marL="2743200" indent="0">
+              <a:buNone/>
+              <a:defRPr sz="1500"/>
             </a:lvl9pPr>
           </a:lstStyle>
           <a:p>
-            <a:endParaRPr lang="en-US"/>
-          </a:p>
-        </p:txBody>
-      </p:sp>
-      <p:sp>
-        <p:nvSpPr>
-          <p:cNvPr id="4" name="Text Placeholder 3">
-            <a:extLst>
-              <a:ext uri="{FF2B5EF4-FFF2-40B4-BE49-F238E27FC236}">
-                <a16:creationId xmlns:a16="http://schemas.microsoft.com/office/drawing/2014/main" id="{CA7C2427-A513-044F-831E-0C864ABD304F}"/>
-              </a:ext>
-            </a:extLst>
-          </p:cNvPr>
+            <a:r>
+              <a:rPr lang="en-US"/>
+              <a:t>Click icon to add picture</a:t>
+            </a:r>
+            <a:endParaRPr lang="en-US" dirty="0"/>
+          </a:p>
+        </p:txBody>
+      </p:sp>
+      <p:sp>
+        <p:nvSpPr>
+          <p:cNvPr id="4" name="Text Placeholder 3"/>
           <p:cNvSpPr>
             <a:spLocks noGrp="1"/>
           </p:cNvSpPr>
@@ -2587,8 +2283,8 @@
         </p:nvSpPr>
         <p:spPr>
           <a:xfrm>
-            <a:off x="839788" y="2057400"/>
-            <a:ext cx="3932237" cy="3811588"/>
+            <a:off x="472381" y="3657600"/>
+            <a:ext cx="2211884" cy="6776156"/>
           </a:xfrm>
         </p:spPr>
         <p:txBody>
@@ -2596,39 +2292,39 @@
           <a:lstStyle>
             <a:lvl1pPr marL="0" indent="0">
               <a:buNone/>
-              <a:defRPr sz="1600"/>
+              <a:defRPr sz="1200"/>
             </a:lvl1pPr>
-            <a:lvl2pPr marL="457200" indent="0">
-              <a:buNone/>
-              <a:defRPr sz="1400"/>
+            <a:lvl2pPr marL="342900" indent="0">
+              <a:buNone/>
+              <a:defRPr sz="1050"/>
             </a:lvl2pPr>
-            <a:lvl3pPr marL="914400" indent="0">
-              <a:buNone/>
-              <a:defRPr sz="1200"/>
+            <a:lvl3pPr marL="685800" indent="0">
+              <a:buNone/>
+              <a:defRPr sz="900"/>
             </a:lvl3pPr>
-            <a:lvl4pPr marL="1371600" indent="0">
-              <a:buNone/>
-              <a:defRPr sz="1000"/>
+            <a:lvl4pPr marL="1028700" indent="0">
+              <a:buNone/>
+              <a:defRPr sz="750"/>
             </a:lvl4pPr>
-            <a:lvl5pPr marL="1828800" indent="0">
-              <a:buNone/>
-              <a:defRPr sz="1000"/>
+            <a:lvl5pPr marL="1371600" indent="0">
+              <a:buNone/>
+              <a:defRPr sz="750"/>
             </a:lvl5pPr>
-            <a:lvl6pPr marL="2286000" indent="0">
-              <a:buNone/>
-              <a:defRPr sz="1000"/>
+            <a:lvl6pPr marL="1714500" indent="0">
+              <a:buNone/>
+              <a:defRPr sz="750"/>
             </a:lvl6pPr>
-            <a:lvl7pPr marL="2743200" indent="0">
-              <a:buNone/>
-              <a:defRPr sz="1000"/>
+            <a:lvl7pPr marL="2057400" indent="0">
+              <a:buNone/>
+              <a:defRPr sz="750"/>
             </a:lvl7pPr>
-            <a:lvl8pPr marL="3200400" indent="0">
-              <a:buNone/>
-              <a:defRPr sz="1000"/>
+            <a:lvl8pPr marL="2400300" indent="0">
+              <a:buNone/>
+              <a:defRPr sz="750"/>
             </a:lvl8pPr>
-            <a:lvl9pPr marL="3657600" indent="0">
-              <a:buNone/>
-              <a:defRPr sz="1000"/>
+            <a:lvl9pPr marL="2743200" indent="0">
+              <a:buNone/>
+              <a:defRPr sz="750"/>
             </a:lvl9pPr>
           </a:lstStyle>
           <a:p>
@@ -2642,13 +2338,7 @@
       </p:sp>
       <p:sp>
         <p:nvSpPr>
-          <p:cNvPr id="5" name="Date Placeholder 4">
-            <a:extLst>
-              <a:ext uri="{FF2B5EF4-FFF2-40B4-BE49-F238E27FC236}">
-                <a16:creationId xmlns:a16="http://schemas.microsoft.com/office/drawing/2014/main" id="{D2BFED01-125A-774C-882D-4296D489CA49}"/>
-              </a:ext>
-            </a:extLst>
-          </p:cNvPr>
+          <p:cNvPr id="5" name="Date Placeholder 4"/>
           <p:cNvSpPr>
             <a:spLocks noGrp="1"/>
           </p:cNvSpPr>
@@ -2663,7 +2353,7 @@
           <a:p>
             <a:fld id="{337251E0-F0A3-B24B-B44F-1BC0F21ABC7F}" type="datetimeFigureOut">
               <a:rPr lang="en-US" smtClean="0"/>
-              <a:t>10/14/20</a:t>
+              <a:t>11/2/20</a:t>
             </a:fld>
             <a:endParaRPr lang="en-US"/>
           </a:p>
@@ -2671,13 +2361,7 @@
       </p:sp>
       <p:sp>
         <p:nvSpPr>
-          <p:cNvPr id="6" name="Footer Placeholder 5">
-            <a:extLst>
-              <a:ext uri="{FF2B5EF4-FFF2-40B4-BE49-F238E27FC236}">
-                <a16:creationId xmlns:a16="http://schemas.microsoft.com/office/drawing/2014/main" id="{04E24843-9DAA-B444-A411-EEF048054A34}"/>
-              </a:ext>
-            </a:extLst>
-          </p:cNvPr>
+          <p:cNvPr id="6" name="Footer Placeholder 5"/>
           <p:cNvSpPr>
             <a:spLocks noGrp="1"/>
           </p:cNvSpPr>
@@ -2696,13 +2380,7 @@
       </p:sp>
       <p:sp>
         <p:nvSpPr>
-          <p:cNvPr id="7" name="Slide Number Placeholder 6">
-            <a:extLst>
-              <a:ext uri="{FF2B5EF4-FFF2-40B4-BE49-F238E27FC236}">
-                <a16:creationId xmlns:a16="http://schemas.microsoft.com/office/drawing/2014/main" id="{75900A66-39A4-7E4D-AC11-D594747A325F}"/>
-              </a:ext>
-            </a:extLst>
-          </p:cNvPr>
+          <p:cNvPr id="7" name="Slide Number Placeholder 6"/>
           <p:cNvSpPr>
             <a:spLocks noGrp="1"/>
           </p:cNvSpPr>
@@ -2726,7 +2404,7 @@
     </p:spTree>
     <p:extLst>
       <p:ext uri="{BB962C8B-B14F-4D97-AF65-F5344CB8AC3E}">
-        <p14:creationId xmlns:p14="http://schemas.microsoft.com/office/powerpoint/2010/main" val="2289274233"/>
+        <p14:creationId xmlns:p14="http://schemas.microsoft.com/office/powerpoint/2010/main" val="1467898262"/>
       </p:ext>
     </p:extLst>
   </p:cSld>
@@ -2760,13 +2438,7 @@
       </p:grpSpPr>
       <p:sp>
         <p:nvSpPr>
-          <p:cNvPr id="2" name="Title Placeholder 1">
-            <a:extLst>
-              <a:ext uri="{FF2B5EF4-FFF2-40B4-BE49-F238E27FC236}">
-                <a16:creationId xmlns:a16="http://schemas.microsoft.com/office/drawing/2014/main" id="{5730AF5B-0CE2-C646-B311-858127B7DB53}"/>
-              </a:ext>
-            </a:extLst>
-          </p:cNvPr>
+          <p:cNvPr id="2" name="Title Placeholder 1"/>
           <p:cNvSpPr>
             <a:spLocks noGrp="1"/>
           </p:cNvSpPr>
@@ -2776,8 +2448,8 @@
         </p:nvSpPr>
         <p:spPr>
           <a:xfrm>
-            <a:off x="838200" y="365125"/>
-            <a:ext cx="10515600" cy="1325563"/>
+            <a:off x="471488" y="649114"/>
+            <a:ext cx="5915025" cy="2356556"/>
           </a:xfrm>
           <a:prstGeom prst="rect">
             <a:avLst/>
@@ -2793,18 +2465,13 @@
               <a:rPr lang="en-US"/>
               <a:t>Click to edit Master title style</a:t>
             </a:r>
-          </a:p>
-        </p:txBody>
-      </p:sp>
-      <p:sp>
-        <p:nvSpPr>
-          <p:cNvPr id="3" name="Text Placeholder 2">
-            <a:extLst>
-              <a:ext uri="{FF2B5EF4-FFF2-40B4-BE49-F238E27FC236}">
-                <a16:creationId xmlns:a16="http://schemas.microsoft.com/office/drawing/2014/main" id="{CAC76F53-8AB0-FA43-A511-38F96F769D75}"/>
-              </a:ext>
-            </a:extLst>
-          </p:cNvPr>
+            <a:endParaRPr lang="en-US" dirty="0"/>
+          </a:p>
+        </p:txBody>
+      </p:sp>
+      <p:sp>
+        <p:nvSpPr>
+          <p:cNvPr id="3" name="Text Placeholder 2"/>
           <p:cNvSpPr>
             <a:spLocks noGrp="1"/>
           </p:cNvSpPr>
@@ -2814,8 +2481,8 @@
         </p:nvSpPr>
         <p:spPr>
           <a:xfrm>
-            <a:off x="838200" y="1825625"/>
-            <a:ext cx="10515600" cy="4351338"/>
+            <a:off x="471488" y="3245556"/>
+            <a:ext cx="5915025" cy="7735712"/>
           </a:xfrm>
           <a:prstGeom prst="rect">
             <a:avLst/>
@@ -2860,18 +2527,13 @@
               <a:rPr lang="en-US"/>
               <a:t>Fifth level</a:t>
             </a:r>
-          </a:p>
-        </p:txBody>
-      </p:sp>
-      <p:sp>
-        <p:nvSpPr>
-          <p:cNvPr id="4" name="Date Placeholder 3">
-            <a:extLst>
-              <a:ext uri="{FF2B5EF4-FFF2-40B4-BE49-F238E27FC236}">
-                <a16:creationId xmlns:a16="http://schemas.microsoft.com/office/drawing/2014/main" id="{6ED8026E-8A4A-2347-A6DF-014B7A3F0DCC}"/>
-              </a:ext>
-            </a:extLst>
-          </p:cNvPr>
+            <a:endParaRPr lang="en-US" dirty="0"/>
+          </a:p>
+        </p:txBody>
+      </p:sp>
+      <p:sp>
+        <p:nvSpPr>
+          <p:cNvPr id="4" name="Date Placeholder 3"/>
           <p:cNvSpPr>
             <a:spLocks noGrp="1"/>
           </p:cNvSpPr>
@@ -2881,8 +2543,8 @@
         </p:nvSpPr>
         <p:spPr>
           <a:xfrm>
-            <a:off x="838200" y="6356350"/>
-            <a:ext cx="2743200" cy="365125"/>
+            <a:off x="471488" y="11300181"/>
+            <a:ext cx="1543050" cy="649111"/>
           </a:xfrm>
           <a:prstGeom prst="rect">
             <a:avLst/>
@@ -2892,7 +2554,7 @@
           <a:bodyPr vert="horz" lIns="91440" tIns="45720" rIns="91440" bIns="45720" rtlCol="0" anchor="ctr"/>
           <a:lstStyle>
             <a:lvl1pPr algn="l">
-              <a:defRPr sz="1200">
+              <a:defRPr sz="900">
                 <a:solidFill>
                   <a:schemeClr val="tx1">
                     <a:tint val="75000"/>
@@ -2904,7 +2566,7 @@
           <a:p>
             <a:fld id="{337251E0-F0A3-B24B-B44F-1BC0F21ABC7F}" type="datetimeFigureOut">
               <a:rPr lang="en-US" smtClean="0"/>
-              <a:t>10/14/20</a:t>
+              <a:t>11/2/20</a:t>
             </a:fld>
             <a:endParaRPr lang="en-US"/>
           </a:p>
@@ -2912,13 +2574,7 @@
       </p:sp>
       <p:sp>
         <p:nvSpPr>
-          <p:cNvPr id="5" name="Footer Placeholder 4">
-            <a:extLst>
-              <a:ext uri="{FF2B5EF4-FFF2-40B4-BE49-F238E27FC236}">
-                <a16:creationId xmlns:a16="http://schemas.microsoft.com/office/drawing/2014/main" id="{5D030D6B-03CF-5F46-9775-2A68B950ED42}"/>
-              </a:ext>
-            </a:extLst>
-          </p:cNvPr>
+          <p:cNvPr id="5" name="Footer Placeholder 4"/>
           <p:cNvSpPr>
             <a:spLocks noGrp="1"/>
           </p:cNvSpPr>
@@ -2928,8 +2584,8 @@
         </p:nvSpPr>
         <p:spPr>
           <a:xfrm>
-            <a:off x="4038600" y="6356350"/>
-            <a:ext cx="4114800" cy="365125"/>
+            <a:off x="2271713" y="11300181"/>
+            <a:ext cx="2314575" cy="649111"/>
           </a:xfrm>
           <a:prstGeom prst="rect">
             <a:avLst/>
@@ -2939,7 +2595,7 @@
           <a:bodyPr vert="horz" lIns="91440" tIns="45720" rIns="91440" bIns="45720" rtlCol="0" anchor="ctr"/>
           <a:lstStyle>
             <a:lvl1pPr algn="ctr">
-              <a:defRPr sz="1200">
+              <a:defRPr sz="900">
                 <a:solidFill>
                   <a:schemeClr val="tx1">
                     <a:tint val="75000"/>
@@ -2955,13 +2611,7 @@
       </p:sp>
       <p:sp>
         <p:nvSpPr>
-          <p:cNvPr id="6" name="Slide Number Placeholder 5">
-            <a:extLst>
-              <a:ext uri="{FF2B5EF4-FFF2-40B4-BE49-F238E27FC236}">
-                <a16:creationId xmlns:a16="http://schemas.microsoft.com/office/drawing/2014/main" id="{755EEFC4-D1A5-D645-9AC7-AD9E3B61BFE2}"/>
-              </a:ext>
-            </a:extLst>
-          </p:cNvPr>
+          <p:cNvPr id="6" name="Slide Number Placeholder 5"/>
           <p:cNvSpPr>
             <a:spLocks noGrp="1"/>
           </p:cNvSpPr>
@@ -2971,8 +2621,8 @@
         </p:nvSpPr>
         <p:spPr>
           <a:xfrm>
-            <a:off x="8610600" y="6356350"/>
-            <a:ext cx="2743200" cy="365125"/>
+            <a:off x="4843463" y="11300181"/>
+            <a:ext cx="1543050" cy="649111"/>
           </a:xfrm>
           <a:prstGeom prst="rect">
             <a:avLst/>
@@ -2982,7 +2632,7 @@
           <a:bodyPr vert="horz" lIns="91440" tIns="45720" rIns="91440" bIns="45720" rtlCol="0" anchor="ctr"/>
           <a:lstStyle>
             <a:lvl1pPr algn="r">
-              <a:defRPr sz="1200">
+              <a:defRPr sz="900">
                 <a:solidFill>
                   <a:schemeClr val="tx1">
                     <a:tint val="75000"/>
@@ -3003,27 +2653,27 @@
     </p:spTree>
     <p:extLst>
       <p:ext uri="{BB962C8B-B14F-4D97-AF65-F5344CB8AC3E}">
-        <p14:creationId xmlns:p14="http://schemas.microsoft.com/office/powerpoint/2010/main" val="1286059976"/>
+        <p14:creationId xmlns:p14="http://schemas.microsoft.com/office/powerpoint/2010/main" val="3507384861"/>
       </p:ext>
     </p:extLst>
   </p:cSld>
   <p:clrMap bg1="lt1" tx1="dk1" bg2="lt2" tx2="dk2" accent1="accent1" accent2="accent2" accent3="accent3" accent4="accent4" accent5="accent5" accent6="accent6" hlink="hlink" folHlink="folHlink"/>
   <p:sldLayoutIdLst>
-    <p:sldLayoutId id="2147483649" r:id="rId1"/>
-    <p:sldLayoutId id="2147483650" r:id="rId2"/>
-    <p:sldLayoutId id="2147483651" r:id="rId3"/>
-    <p:sldLayoutId id="2147483652" r:id="rId4"/>
-    <p:sldLayoutId id="2147483653" r:id="rId5"/>
-    <p:sldLayoutId id="2147483654" r:id="rId6"/>
-    <p:sldLayoutId id="2147483655" r:id="rId7"/>
-    <p:sldLayoutId id="2147483656" r:id="rId8"/>
-    <p:sldLayoutId id="2147483657" r:id="rId9"/>
-    <p:sldLayoutId id="2147483658" r:id="rId10"/>
-    <p:sldLayoutId id="2147483659" r:id="rId11"/>
+    <p:sldLayoutId id="2147483661" r:id="rId1"/>
+    <p:sldLayoutId id="2147483662" r:id="rId2"/>
+    <p:sldLayoutId id="2147483663" r:id="rId3"/>
+    <p:sldLayoutId id="2147483664" r:id="rId4"/>
+    <p:sldLayoutId id="2147483665" r:id="rId5"/>
+    <p:sldLayoutId id="2147483666" r:id="rId6"/>
+    <p:sldLayoutId id="2147483667" r:id="rId7"/>
+    <p:sldLayoutId id="2147483668" r:id="rId8"/>
+    <p:sldLayoutId id="2147483669" r:id="rId9"/>
+    <p:sldLayoutId id="2147483670" r:id="rId10"/>
+    <p:sldLayoutId id="2147483671" r:id="rId11"/>
   </p:sldLayoutIdLst>
   <p:txStyles>
     <p:titleStyle>
-      <a:lvl1pPr algn="l" defTabSz="914400" rtl="0" eaLnBrk="1" latinLnBrk="0" hangingPunct="1">
+      <a:lvl1pPr algn="l" defTabSz="685800" rtl="0" eaLnBrk="1" latinLnBrk="0" hangingPunct="1">
         <a:lnSpc>
           <a:spcPct val="90000"/>
         </a:lnSpc>
@@ -3031,7 +2681,7 @@
           <a:spcPct val="0"/>
         </a:spcBef>
         <a:buNone/>
-        <a:defRPr sz="4400" kern="1200">
+        <a:defRPr sz="3300" kern="1200">
           <a:solidFill>
             <a:schemeClr val="tx1"/>
           </a:solidFill>
@@ -3042,16 +2692,16 @@
       </a:lvl1pPr>
     </p:titleStyle>
     <p:bodyStyle>
-      <a:lvl1pPr marL="228600" indent="-228600" algn="l" defTabSz="914400" rtl="0" eaLnBrk="1" latinLnBrk="0" hangingPunct="1">
+      <a:lvl1pPr marL="171450" indent="-171450" algn="l" defTabSz="685800" rtl="0" eaLnBrk="1" latinLnBrk="0" hangingPunct="1">
         <a:lnSpc>
           <a:spcPct val="90000"/>
         </a:lnSpc>
         <a:spcBef>
-          <a:spcPts val="1000"/>
+          <a:spcPts val="750"/>
         </a:spcBef>
         <a:buFont typeface="Arial" panose="020B0604020202020204" pitchFamily="34" charset="0"/>
         <a:buChar char="•"/>
-        <a:defRPr sz="2800" kern="1200">
+        <a:defRPr sz="2100" kern="1200">
           <a:solidFill>
             <a:schemeClr val="tx1"/>
           </a:solidFill>
@@ -3060,48 +2710,12 @@
           <a:cs typeface="+mn-cs"/>
         </a:defRPr>
       </a:lvl1pPr>
-      <a:lvl2pPr marL="685800" indent="-228600" algn="l" defTabSz="914400" rtl="0" eaLnBrk="1" latinLnBrk="0" hangingPunct="1">
+      <a:lvl2pPr marL="514350" indent="-171450" algn="l" defTabSz="685800" rtl="0" eaLnBrk="1" latinLnBrk="0" hangingPunct="1">
         <a:lnSpc>
           <a:spcPct val="90000"/>
         </a:lnSpc>
         <a:spcBef>
-          <a:spcPts val="500"/>
-        </a:spcBef>
-        <a:buFont typeface="Arial" panose="020B0604020202020204" pitchFamily="34" charset="0"/>
-        <a:buChar char="•"/>
-        <a:defRPr sz="2400" kern="1200">
-          <a:solidFill>
-            <a:schemeClr val="tx1"/>
-          </a:solidFill>
-          <a:latin typeface="+mn-lt"/>
-          <a:ea typeface="+mn-ea"/>
-          <a:cs typeface="+mn-cs"/>
-        </a:defRPr>
-      </a:lvl2pPr>
-      <a:lvl3pPr marL="1143000" indent="-228600" algn="l" defTabSz="914400" rtl="0" eaLnBrk="1" latinLnBrk="0" hangingPunct="1">
-        <a:lnSpc>
-          <a:spcPct val="90000"/>
-        </a:lnSpc>
-        <a:spcBef>
-          <a:spcPts val="500"/>
-        </a:spcBef>
-        <a:buFont typeface="Arial" panose="020B0604020202020204" pitchFamily="34" charset="0"/>
-        <a:buChar char="•"/>
-        <a:defRPr sz="2000" kern="1200">
-          <a:solidFill>
-            <a:schemeClr val="tx1"/>
-          </a:solidFill>
-          <a:latin typeface="+mn-lt"/>
-          <a:ea typeface="+mn-ea"/>
-          <a:cs typeface="+mn-cs"/>
-        </a:defRPr>
-      </a:lvl3pPr>
-      <a:lvl4pPr marL="1600200" indent="-228600" algn="l" defTabSz="914400" rtl="0" eaLnBrk="1" latinLnBrk="0" hangingPunct="1">
-        <a:lnSpc>
-          <a:spcPct val="90000"/>
-        </a:lnSpc>
-        <a:spcBef>
-          <a:spcPts val="500"/>
+          <a:spcPts val="375"/>
         </a:spcBef>
         <a:buFont typeface="Arial" panose="020B0604020202020204" pitchFamily="34" charset="0"/>
         <a:buChar char="•"/>
@@ -3113,17 +2727,53 @@
           <a:ea typeface="+mn-ea"/>
           <a:cs typeface="+mn-cs"/>
         </a:defRPr>
-      </a:lvl4pPr>
-      <a:lvl5pPr marL="2057400" indent="-228600" algn="l" defTabSz="914400" rtl="0" eaLnBrk="1" latinLnBrk="0" hangingPunct="1">
+      </a:lvl2pPr>
+      <a:lvl3pPr marL="857250" indent="-171450" algn="l" defTabSz="685800" rtl="0" eaLnBrk="1" latinLnBrk="0" hangingPunct="1">
         <a:lnSpc>
           <a:spcPct val="90000"/>
         </a:lnSpc>
         <a:spcBef>
-          <a:spcPts val="500"/>
+          <a:spcPts val="375"/>
         </a:spcBef>
         <a:buFont typeface="Arial" panose="020B0604020202020204" pitchFamily="34" charset="0"/>
         <a:buChar char="•"/>
-        <a:defRPr sz="1800" kern="1200">
+        <a:defRPr sz="1500" kern="1200">
+          <a:solidFill>
+            <a:schemeClr val="tx1"/>
+          </a:solidFill>
+          <a:latin typeface="+mn-lt"/>
+          <a:ea typeface="+mn-ea"/>
+          <a:cs typeface="+mn-cs"/>
+        </a:defRPr>
+      </a:lvl3pPr>
+      <a:lvl4pPr marL="1200150" indent="-171450" algn="l" defTabSz="685800" rtl="0" eaLnBrk="1" latinLnBrk="0" hangingPunct="1">
+        <a:lnSpc>
+          <a:spcPct val="90000"/>
+        </a:lnSpc>
+        <a:spcBef>
+          <a:spcPts val="375"/>
+        </a:spcBef>
+        <a:buFont typeface="Arial" panose="020B0604020202020204" pitchFamily="34" charset="0"/>
+        <a:buChar char="•"/>
+        <a:defRPr sz="1350" kern="1200">
+          <a:solidFill>
+            <a:schemeClr val="tx1"/>
+          </a:solidFill>
+          <a:latin typeface="+mn-lt"/>
+          <a:ea typeface="+mn-ea"/>
+          <a:cs typeface="+mn-cs"/>
+        </a:defRPr>
+      </a:lvl4pPr>
+      <a:lvl5pPr marL="1543050" indent="-171450" algn="l" defTabSz="685800" rtl="0" eaLnBrk="1" latinLnBrk="0" hangingPunct="1">
+        <a:lnSpc>
+          <a:spcPct val="90000"/>
+        </a:lnSpc>
+        <a:spcBef>
+          <a:spcPts val="375"/>
+        </a:spcBef>
+        <a:buFont typeface="Arial" panose="020B0604020202020204" pitchFamily="34" charset="0"/>
+        <a:buChar char="•"/>
+        <a:defRPr sz="1350" kern="1200">
           <a:solidFill>
             <a:schemeClr val="tx1"/>
           </a:solidFill>
@@ -3132,16 +2782,16 @@
           <a:cs typeface="+mn-cs"/>
         </a:defRPr>
       </a:lvl5pPr>
-      <a:lvl6pPr marL="2514600" indent="-228600" algn="l" defTabSz="914400" rtl="0" eaLnBrk="1" latinLnBrk="0" hangingPunct="1">
+      <a:lvl6pPr marL="1885950" indent="-171450" algn="l" defTabSz="685800" rtl="0" eaLnBrk="1" latinLnBrk="0" hangingPunct="1">
         <a:lnSpc>
           <a:spcPct val="90000"/>
         </a:lnSpc>
         <a:spcBef>
-          <a:spcPts val="500"/>
+          <a:spcPts val="375"/>
         </a:spcBef>
         <a:buFont typeface="Arial" panose="020B0604020202020204" pitchFamily="34" charset="0"/>
         <a:buChar char="•"/>
-        <a:defRPr sz="1800" kern="1200">
+        <a:defRPr sz="1350" kern="1200">
           <a:solidFill>
             <a:schemeClr val="tx1"/>
           </a:solidFill>
@@ -3150,16 +2800,16 @@
           <a:cs typeface="+mn-cs"/>
         </a:defRPr>
       </a:lvl6pPr>
-      <a:lvl7pPr marL="2971800" indent="-228600" algn="l" defTabSz="914400" rtl="0" eaLnBrk="1" latinLnBrk="0" hangingPunct="1">
+      <a:lvl7pPr marL="2228850" indent="-171450" algn="l" defTabSz="685800" rtl="0" eaLnBrk="1" latinLnBrk="0" hangingPunct="1">
         <a:lnSpc>
           <a:spcPct val="90000"/>
         </a:lnSpc>
         <a:spcBef>
-          <a:spcPts val="500"/>
+          <a:spcPts val="375"/>
         </a:spcBef>
         <a:buFont typeface="Arial" panose="020B0604020202020204" pitchFamily="34" charset="0"/>
         <a:buChar char="•"/>
-        <a:defRPr sz="1800" kern="1200">
+        <a:defRPr sz="1350" kern="1200">
           <a:solidFill>
             <a:schemeClr val="tx1"/>
           </a:solidFill>
@@ -3168,16 +2818,16 @@
           <a:cs typeface="+mn-cs"/>
         </a:defRPr>
       </a:lvl7pPr>
-      <a:lvl8pPr marL="3429000" indent="-228600" algn="l" defTabSz="914400" rtl="0" eaLnBrk="1" latinLnBrk="0" hangingPunct="1">
+      <a:lvl8pPr marL="2571750" indent="-171450" algn="l" defTabSz="685800" rtl="0" eaLnBrk="1" latinLnBrk="0" hangingPunct="1">
         <a:lnSpc>
           <a:spcPct val="90000"/>
         </a:lnSpc>
         <a:spcBef>
-          <a:spcPts val="500"/>
+          <a:spcPts val="375"/>
         </a:spcBef>
         <a:buFont typeface="Arial" panose="020B0604020202020204" pitchFamily="34" charset="0"/>
         <a:buChar char="•"/>
-        <a:defRPr sz="1800" kern="1200">
+        <a:defRPr sz="1350" kern="1200">
           <a:solidFill>
             <a:schemeClr val="tx1"/>
           </a:solidFill>
@@ -3186,16 +2836,16 @@
           <a:cs typeface="+mn-cs"/>
         </a:defRPr>
       </a:lvl8pPr>
-      <a:lvl9pPr marL="3886200" indent="-228600" algn="l" defTabSz="914400" rtl="0" eaLnBrk="1" latinLnBrk="0" hangingPunct="1">
+      <a:lvl9pPr marL="2914650" indent="-171450" algn="l" defTabSz="685800" rtl="0" eaLnBrk="1" latinLnBrk="0" hangingPunct="1">
         <a:lnSpc>
           <a:spcPct val="90000"/>
         </a:lnSpc>
         <a:spcBef>
-          <a:spcPts val="500"/>
+          <a:spcPts val="375"/>
         </a:spcBef>
         <a:buFont typeface="Arial" panose="020B0604020202020204" pitchFamily="34" charset="0"/>
         <a:buChar char="•"/>
-        <a:defRPr sz="1800" kern="1200">
+        <a:defRPr sz="1350" kern="1200">
           <a:solidFill>
             <a:schemeClr val="tx1"/>
           </a:solidFill>
@@ -3209,8 +2859,8 @@
       <a:defPPr>
         <a:defRPr lang="en-US"/>
       </a:defPPr>
-      <a:lvl1pPr marL="0" algn="l" defTabSz="914400" rtl="0" eaLnBrk="1" latinLnBrk="0" hangingPunct="1">
-        <a:defRPr sz="1800" kern="1200">
+      <a:lvl1pPr marL="0" algn="l" defTabSz="685800" rtl="0" eaLnBrk="1" latinLnBrk="0" hangingPunct="1">
+        <a:defRPr sz="1350" kern="1200">
           <a:solidFill>
             <a:schemeClr val="tx1"/>
           </a:solidFill>
@@ -3219,8 +2869,8 @@
           <a:cs typeface="+mn-cs"/>
         </a:defRPr>
       </a:lvl1pPr>
-      <a:lvl2pPr marL="457200" algn="l" defTabSz="914400" rtl="0" eaLnBrk="1" latinLnBrk="0" hangingPunct="1">
-        <a:defRPr sz="1800" kern="1200">
+      <a:lvl2pPr marL="342900" algn="l" defTabSz="685800" rtl="0" eaLnBrk="1" latinLnBrk="0" hangingPunct="1">
+        <a:defRPr sz="1350" kern="1200">
           <a:solidFill>
             <a:schemeClr val="tx1"/>
           </a:solidFill>
@@ -3229,8 +2879,8 @@
           <a:cs typeface="+mn-cs"/>
         </a:defRPr>
       </a:lvl2pPr>
-      <a:lvl3pPr marL="914400" algn="l" defTabSz="914400" rtl="0" eaLnBrk="1" latinLnBrk="0" hangingPunct="1">
-        <a:defRPr sz="1800" kern="1200">
+      <a:lvl3pPr marL="685800" algn="l" defTabSz="685800" rtl="0" eaLnBrk="1" latinLnBrk="0" hangingPunct="1">
+        <a:defRPr sz="1350" kern="1200">
           <a:solidFill>
             <a:schemeClr val="tx1"/>
           </a:solidFill>
@@ -3239,8 +2889,8 @@
           <a:cs typeface="+mn-cs"/>
         </a:defRPr>
       </a:lvl3pPr>
-      <a:lvl4pPr marL="1371600" algn="l" defTabSz="914400" rtl="0" eaLnBrk="1" latinLnBrk="0" hangingPunct="1">
-        <a:defRPr sz="1800" kern="1200">
+      <a:lvl4pPr marL="1028700" algn="l" defTabSz="685800" rtl="0" eaLnBrk="1" latinLnBrk="0" hangingPunct="1">
+        <a:defRPr sz="1350" kern="1200">
           <a:solidFill>
             <a:schemeClr val="tx1"/>
           </a:solidFill>
@@ -3249,8 +2899,8 @@
           <a:cs typeface="+mn-cs"/>
         </a:defRPr>
       </a:lvl4pPr>
-      <a:lvl5pPr marL="1828800" algn="l" defTabSz="914400" rtl="0" eaLnBrk="1" latinLnBrk="0" hangingPunct="1">
-        <a:defRPr sz="1800" kern="1200">
+      <a:lvl5pPr marL="1371600" algn="l" defTabSz="685800" rtl="0" eaLnBrk="1" latinLnBrk="0" hangingPunct="1">
+        <a:defRPr sz="1350" kern="1200">
           <a:solidFill>
             <a:schemeClr val="tx1"/>
           </a:solidFill>
@@ -3259,8 +2909,8 @@
           <a:cs typeface="+mn-cs"/>
         </a:defRPr>
       </a:lvl5pPr>
-      <a:lvl6pPr marL="2286000" algn="l" defTabSz="914400" rtl="0" eaLnBrk="1" latinLnBrk="0" hangingPunct="1">
-        <a:defRPr sz="1800" kern="1200">
+      <a:lvl6pPr marL="1714500" algn="l" defTabSz="685800" rtl="0" eaLnBrk="1" latinLnBrk="0" hangingPunct="1">
+        <a:defRPr sz="1350" kern="1200">
           <a:solidFill>
             <a:schemeClr val="tx1"/>
           </a:solidFill>
@@ -3269,8 +2919,8 @@
           <a:cs typeface="+mn-cs"/>
         </a:defRPr>
       </a:lvl6pPr>
-      <a:lvl7pPr marL="2743200" algn="l" defTabSz="914400" rtl="0" eaLnBrk="1" latinLnBrk="0" hangingPunct="1">
-        <a:defRPr sz="1800" kern="1200">
+      <a:lvl7pPr marL="2057400" algn="l" defTabSz="685800" rtl="0" eaLnBrk="1" latinLnBrk="0" hangingPunct="1">
+        <a:defRPr sz="1350" kern="1200">
           <a:solidFill>
             <a:schemeClr val="tx1"/>
           </a:solidFill>
@@ -3279,8 +2929,8 @@
           <a:cs typeface="+mn-cs"/>
         </a:defRPr>
       </a:lvl7pPr>
-      <a:lvl8pPr marL="3200400" algn="l" defTabSz="914400" rtl="0" eaLnBrk="1" latinLnBrk="0" hangingPunct="1">
-        <a:defRPr sz="1800" kern="1200">
+      <a:lvl8pPr marL="2400300" algn="l" defTabSz="685800" rtl="0" eaLnBrk="1" latinLnBrk="0" hangingPunct="1">
+        <a:defRPr sz="1350" kern="1200">
           <a:solidFill>
             <a:schemeClr val="tx1"/>
           </a:solidFill>
@@ -3289,8 +2939,8 @@
           <a:cs typeface="+mn-cs"/>
         </a:defRPr>
       </a:lvl8pPr>
-      <a:lvl9pPr marL="3657600" algn="l" defTabSz="914400" rtl="0" eaLnBrk="1" latinLnBrk="0" hangingPunct="1">
-        <a:defRPr sz="1800" kern="1200">
+      <a:lvl9pPr marL="2743200" algn="l" defTabSz="685800" rtl="0" eaLnBrk="1" latinLnBrk="0" hangingPunct="1">
+        <a:defRPr sz="1350" kern="1200">
           <a:solidFill>
             <a:schemeClr val="tx1"/>
           </a:solidFill>
@@ -3323,10 +2973,10 @@
       </p:grpSpPr>
       <p:pic>
         <p:nvPicPr>
-          <p:cNvPr id="7" name="Picture 6">
+          <p:cNvPr id="9" name="Picture 8">
             <a:extLst>
               <a:ext uri="{FF2B5EF4-FFF2-40B4-BE49-F238E27FC236}">
-                <a16:creationId xmlns:a16="http://schemas.microsoft.com/office/drawing/2014/main" id="{D06DEED9-5C19-1F4A-8F89-2FC419A6DEAD}"/>
+                <a16:creationId xmlns:a16="http://schemas.microsoft.com/office/drawing/2014/main" id="{2D43DE8D-0964-F14D-95B7-6FE6D22835EE}"/>
               </a:ext>
             </a:extLst>
           </p:cNvPr>
@@ -3343,8 +2993,8 @@
         </p:blipFill>
         <p:spPr>
           <a:xfrm>
-            <a:off x="457200" y="0"/>
-            <a:ext cx="8875060" cy="6858000"/>
+            <a:off x="1" y="448237"/>
+            <a:ext cx="6583226" cy="10842959"/>
           </a:xfrm>
           <a:prstGeom prst="rect">
             <a:avLst/>
@@ -3353,10 +3003,10 @@
       </p:pic>
       <p:pic>
         <p:nvPicPr>
-          <p:cNvPr id="5" name="Picture 4">
+          <p:cNvPr id="6" name="Picture 5">
             <a:extLst>
               <a:ext uri="{FF2B5EF4-FFF2-40B4-BE49-F238E27FC236}">
-                <a16:creationId xmlns:a16="http://schemas.microsoft.com/office/drawing/2014/main" id="{381F4077-6392-3245-BD2B-397A2EA5014E}"/>
+                <a16:creationId xmlns:a16="http://schemas.microsoft.com/office/drawing/2014/main" id="{50C44A83-C679-9B4F-AA16-869F4C879E41}"/>
               </a:ext>
             </a:extLst>
           </p:cNvPr>
@@ -3367,13 +3017,13 @@
         </p:nvPicPr>
         <p:blipFill rotWithShape="1">
           <a:blip r:embed="rId3"/>
-          <a:srcRect l="27879" t="19111" r="51171" b="65778"/>
+          <a:srcRect l="29098" t="21028" r="52851" b="67795"/>
           <a:stretch/>
         </p:blipFill>
         <p:spPr>
           <a:xfrm>
-            <a:off x="9332260" y="2773680"/>
-            <a:ext cx="1859280" cy="1036320"/>
+            <a:off x="744133" y="813500"/>
+            <a:ext cx="1317998" cy="630622"/>
           </a:xfrm>
           <a:prstGeom prst="rect">
             <a:avLst/>
@@ -3396,7 +3046,7 @@
 <file path=ppt/theme/theme1.xml><?xml version="1.0" encoding="utf-8"?>
 <a:theme xmlns:a="http://schemas.openxmlformats.org/drawingml/2006/main" name="Office Theme">
   <a:themeElements>
-    <a:clrScheme name="Office">
+    <a:clrScheme name="Office Theme">
       <a:dk1>
         <a:sysClr val="windowText" lastClr="000000"/>
       </a:dk1>
@@ -3434,7 +3084,7 @@
         <a:srgbClr val="954F72"/>
       </a:folHlink>
     </a:clrScheme>
-    <a:fontScheme name="Office">
+    <a:fontScheme name="Office Theme">
       <a:majorFont>
         <a:latin typeface="Calibri Light" panose="020F0302020204030204"/>
         <a:ea typeface=""/>
@@ -3469,23 +3119,6 @@
         <a:font script="Viet" typeface="Times New Roman"/>
         <a:font script="Uigh" typeface="Microsoft Uighur"/>
         <a:font script="Geor" typeface="Sylfaen"/>
-        <a:font script="Armn" typeface="Arial"/>
-        <a:font script="Bugi" typeface="Leelawadee UI"/>
-        <a:font script="Bopo" typeface="Microsoft JhengHei"/>
-        <a:font script="Java" typeface="Javanese Text"/>
-        <a:font script="Lisu" typeface="Segoe UI"/>
-        <a:font script="Mymr" typeface="Myanmar Text"/>
-        <a:font script="Nkoo" typeface="Ebrima"/>
-        <a:font script="Olck" typeface="Nirmala UI"/>
-        <a:font script="Osma" typeface="Ebrima"/>
-        <a:font script="Phag" typeface="Phagspa"/>
-        <a:font script="Syrn" typeface="Estrangelo Edessa"/>
-        <a:font script="Syrj" typeface="Estrangelo Edessa"/>
-        <a:font script="Syre" typeface="Estrangelo Edessa"/>
-        <a:font script="Sora" typeface="Nirmala UI"/>
-        <a:font script="Tale" typeface="Microsoft Tai Le"/>
-        <a:font script="Talu" typeface="Microsoft New Tai Lue"/>
-        <a:font script="Tfng" typeface="Ebrima"/>
       </a:majorFont>
       <a:minorFont>
         <a:latin typeface="Calibri" panose="020F0502020204030204"/>
@@ -3521,26 +3154,9 @@
         <a:font script="Viet" typeface="Arial"/>
         <a:font script="Uigh" typeface="Microsoft Uighur"/>
         <a:font script="Geor" typeface="Sylfaen"/>
-        <a:font script="Armn" typeface="Arial"/>
-        <a:font script="Bugi" typeface="Leelawadee UI"/>
-        <a:font script="Bopo" typeface="Microsoft JhengHei"/>
-        <a:font script="Java" typeface="Javanese Text"/>
-        <a:font script="Lisu" typeface="Segoe UI"/>
-        <a:font script="Mymr" typeface="Myanmar Text"/>
-        <a:font script="Nkoo" typeface="Ebrima"/>
-        <a:font script="Olck" typeface="Nirmala UI"/>
-        <a:font script="Osma" typeface="Ebrima"/>
-        <a:font script="Phag" typeface="Phagspa"/>
-        <a:font script="Syrn" typeface="Estrangelo Edessa"/>
-        <a:font script="Syrj" typeface="Estrangelo Edessa"/>
-        <a:font script="Syre" typeface="Estrangelo Edessa"/>
-        <a:font script="Sora" typeface="Nirmala UI"/>
-        <a:font script="Tale" typeface="Microsoft Tai Le"/>
-        <a:font script="Talu" typeface="Microsoft New Tai Lue"/>
-        <a:font script="Tfng" typeface="Ebrima"/>
       </a:minorFont>
     </a:fontScheme>
-    <a:fmtScheme name="Office">
+    <a:fmtScheme name="Office Theme">
       <a:fillStyleLst>
         <a:solidFill>
           <a:schemeClr val="phClr"/>
